--- a/slides/SPF1_talk.pptx
+++ b/slides/SPF1_talk.pptx
@@ -5,10 +5,10 @@
     <p:sldMasterId id="2147483648" r:id="rId1"/>
   </p:sldMasterIdLst>
   <p:notesMasterIdLst>
-    <p:notesMasterId r:id="rId24"/>
+    <p:notesMasterId r:id="rId25"/>
   </p:notesMasterIdLst>
   <p:handoutMasterIdLst>
-    <p:handoutMasterId r:id="rId25"/>
+    <p:handoutMasterId r:id="rId26"/>
   </p:handoutMasterIdLst>
   <p:sldIdLst>
     <p:sldId id="256" r:id="rId2"/>
@@ -23,16 +23,17 @@
     <p:sldId id="291" r:id="rId11"/>
     <p:sldId id="292" r:id="rId12"/>
     <p:sldId id="293" r:id="rId13"/>
-    <p:sldId id="302" r:id="rId14"/>
-    <p:sldId id="295" r:id="rId15"/>
-    <p:sldId id="265" r:id="rId16"/>
-    <p:sldId id="296" r:id="rId17"/>
-    <p:sldId id="297" r:id="rId18"/>
-    <p:sldId id="298" r:id="rId19"/>
-    <p:sldId id="299" r:id="rId20"/>
-    <p:sldId id="300" r:id="rId21"/>
-    <p:sldId id="283" r:id="rId22"/>
+    <p:sldId id="303" r:id="rId14"/>
+    <p:sldId id="302" r:id="rId15"/>
+    <p:sldId id="295" r:id="rId16"/>
+    <p:sldId id="265" r:id="rId17"/>
+    <p:sldId id="296" r:id="rId18"/>
+    <p:sldId id="297" r:id="rId19"/>
+    <p:sldId id="298" r:id="rId20"/>
+    <p:sldId id="299" r:id="rId21"/>
+    <p:sldId id="300" r:id="rId22"/>
     <p:sldId id="301" r:id="rId23"/>
+    <p:sldId id="283" r:id="rId24"/>
   </p:sldIdLst>
   <p:sldSz cx="9144000" cy="6858000" type="screen4x3"/>
   <p:notesSz cx="6858000" cy="9144000"/>
@@ -152,6 +153,7 @@
             <p14:sldId id="291"/>
             <p14:sldId id="292"/>
             <p14:sldId id="293"/>
+            <p14:sldId id="303"/>
             <p14:sldId id="302"/>
             <p14:sldId id="295"/>
             <p14:sldId id="265"/>
@@ -160,8 +162,8 @@
             <p14:sldId id="298"/>
             <p14:sldId id="299"/>
             <p14:sldId id="300"/>
+            <p14:sldId id="301"/>
             <p14:sldId id="283"/>
-            <p14:sldId id="301"/>
           </p14:sldIdLst>
         </p14:section>
       </p14:sectionLst>
@@ -890,7 +892,7 @@
           <a:p>
             <a:fld id="{08B4712D-D2CB-8747-9EC4-89869EAABFB2}" type="slidenum">
               <a:rPr lang="en-US" smtClean="0"/>
-              <a:t>21</a:t>
+              <a:t>23</a:t>
             </a:fld>
             <a:endParaRPr lang="en-US"/>
           </a:p>
@@ -1879,7 +1881,7 @@
           <a:p>
             <a:fld id="{08B4712D-D2CB-8747-9EC4-89869EAABFB2}" type="slidenum">
               <a:rPr lang="en-US" smtClean="0"/>
-              <a:t>15</a:t>
+              <a:t>16</a:t>
             </a:fld>
             <a:endParaRPr lang="en-US"/>
           </a:p>
@@ -6357,6 +6359,887 @@
 </file>
 
 <file path=ppt/slides/slide13.xml><?xml version="1.0" encoding="utf-8"?>
+<p:sld xmlns:a="http://schemas.openxmlformats.org/drawingml/2006/main" xmlns:r="http://schemas.openxmlformats.org/officeDocument/2006/relationships" xmlns:p="http://schemas.openxmlformats.org/presentationml/2006/main">
+  <p:cSld>
+    <p:spTree>
+      <p:nvGrpSpPr>
+        <p:cNvPr id="1" name=""/>
+        <p:cNvGrpSpPr/>
+        <p:nvPr/>
+      </p:nvGrpSpPr>
+      <p:grpSpPr>
+        <a:xfrm>
+          <a:off x="0" y="0"/>
+          <a:ext cx="0" cy="0"/>
+          <a:chOff x="0" y="0"/>
+          <a:chExt cx="0" cy="0"/>
+        </a:xfrm>
+      </p:grpSpPr>
+      <p:grpSp>
+        <p:nvGrpSpPr>
+          <p:cNvPr id="34" name="Group 33"/>
+          <p:cNvGrpSpPr/>
+          <p:nvPr/>
+        </p:nvGrpSpPr>
+        <p:grpSpPr>
+          <a:xfrm>
+            <a:off x="648560" y="2350736"/>
+            <a:ext cx="7890793" cy="4207747"/>
+            <a:chOff x="648560" y="1918416"/>
+            <a:chExt cx="7890793" cy="4207747"/>
+          </a:xfrm>
+        </p:grpSpPr>
+        <p:grpSp>
+          <p:nvGrpSpPr>
+            <p:cNvPr id="20" name="Group 19"/>
+            <p:cNvGrpSpPr/>
+            <p:nvPr/>
+          </p:nvGrpSpPr>
+          <p:grpSpPr>
+            <a:xfrm>
+              <a:off x="648560" y="1918416"/>
+              <a:ext cx="7890793" cy="4207747"/>
+              <a:chOff x="648560" y="1918416"/>
+              <a:chExt cx="7890793" cy="4207747"/>
+            </a:xfrm>
+          </p:grpSpPr>
+          <p:grpSp>
+            <p:nvGrpSpPr>
+              <p:cNvPr id="18" name="Group 17"/>
+              <p:cNvGrpSpPr/>
+              <p:nvPr/>
+            </p:nvGrpSpPr>
+            <p:grpSpPr>
+              <a:xfrm>
+                <a:off x="648560" y="1918416"/>
+                <a:ext cx="7890793" cy="4207747"/>
+                <a:chOff x="553977" y="2418285"/>
+                <a:chExt cx="7728656" cy="3707878"/>
+              </a:xfrm>
+            </p:grpSpPr>
+            <p:sp>
+              <p:nvSpPr>
+                <p:cNvPr id="17" name="Rectangle 16"/>
+                <p:cNvSpPr/>
+                <p:nvPr/>
+              </p:nvSpPr>
+              <p:spPr>
+                <a:xfrm>
+                  <a:off x="553977" y="2418285"/>
+                  <a:ext cx="7728656" cy="3707878"/>
+                </a:xfrm>
+                <a:prstGeom prst="rect">
+                  <a:avLst/>
+                </a:prstGeom>
+                <a:solidFill>
+                  <a:schemeClr val="tx1"/>
+                </a:solidFill>
+                <a:ln>
+                  <a:solidFill>
+                    <a:schemeClr val="tx1"/>
+                  </a:solidFill>
+                </a:ln>
+                <a:effectLst/>
+              </p:spPr>
+              <p:style>
+                <a:lnRef idx="1">
+                  <a:schemeClr val="accent1"/>
+                </a:lnRef>
+                <a:fillRef idx="3">
+                  <a:schemeClr val="accent1"/>
+                </a:fillRef>
+                <a:effectRef idx="2">
+                  <a:schemeClr val="accent1"/>
+                </a:effectRef>
+                <a:fontRef idx="minor">
+                  <a:schemeClr val="lt1"/>
+                </a:fontRef>
+              </p:style>
+              <p:txBody>
+                <a:bodyPr rtlCol="0" anchor="ctr"/>
+                <a:lstStyle/>
+                <a:p>
+                  <a:pPr algn="ctr"/>
+                  <a:endParaRPr lang="en-US"/>
+                </a:p>
+              </p:txBody>
+            </p:sp>
+            <p:grpSp>
+              <p:nvGrpSpPr>
+                <p:cNvPr id="4" name="Group 3"/>
+                <p:cNvGrpSpPr/>
+                <p:nvPr/>
+              </p:nvGrpSpPr>
+              <p:grpSpPr>
+                <a:xfrm>
+                  <a:off x="700806" y="2617117"/>
+                  <a:ext cx="7457536" cy="3342962"/>
+                  <a:chOff x="687294" y="3363028"/>
+                  <a:chExt cx="7457536" cy="3342962"/>
+                </a:xfrm>
+              </p:grpSpPr>
+              <p:pic>
+                <p:nvPicPr>
+                  <p:cNvPr id="5" name="Picture 4" descr="delad_S_exolunch.pdf"/>
+                  <p:cNvPicPr>
+                    <a:picLocks noChangeAspect="1"/>
+                  </p:cNvPicPr>
+                  <p:nvPr/>
+                </p:nvPicPr>
+                <p:blipFill>
+                  <a:blip r:embed="rId2">
+                    <a:extLst>
+                      <a:ext uri="{28A0092B-C50C-407E-A947-70E740481C1C}">
+                        <a14:useLocalDpi xmlns:a14="http://schemas.microsoft.com/office/drawing/2010/main" val="0"/>
+                      </a:ext>
+                    </a:extLst>
+                  </a:blip>
+                  <a:stretch>
+                    <a:fillRect/>
+                  </a:stretch>
+                </p:blipFill>
+                <p:spPr>
+                  <a:xfrm>
+                    <a:off x="687294" y="3363028"/>
+                    <a:ext cx="3682005" cy="3263900"/>
+                  </a:xfrm>
+                  <a:prstGeom prst="rect">
+                    <a:avLst/>
+                  </a:prstGeom>
+                </p:spPr>
+              </p:pic>
+              <p:pic>
+                <p:nvPicPr>
+                  <p:cNvPr id="6" name="Picture 5" descr="delad_S_exolunch_3_1.pdf"/>
+                  <p:cNvPicPr>
+                    <a:picLocks noChangeAspect="1"/>
+                  </p:cNvPicPr>
+                  <p:nvPr/>
+                </p:nvPicPr>
+                <p:blipFill>
+                  <a:blip r:embed="rId3">
+                    <a:extLst>
+                      <a:ext uri="{28A0092B-C50C-407E-A947-70E740481C1C}">
+                        <a14:useLocalDpi xmlns:a14="http://schemas.microsoft.com/office/drawing/2010/main" val="0"/>
+                      </a:ext>
+                    </a:extLst>
+                  </a:blip>
+                  <a:stretch>
+                    <a:fillRect/>
+                  </a:stretch>
+                </p:blipFill>
+                <p:spPr>
+                  <a:xfrm>
+                    <a:off x="4360230" y="3442090"/>
+                    <a:ext cx="3784600" cy="3263900"/>
+                  </a:xfrm>
+                  <a:prstGeom prst="rect">
+                    <a:avLst/>
+                  </a:prstGeom>
+                </p:spPr>
+              </p:pic>
+            </p:grpSp>
+            <p:sp>
+              <p:nvSpPr>
+                <p:cNvPr id="7" name="TextBox 6"/>
+                <p:cNvSpPr txBox="1"/>
+                <p:nvPr/>
+              </p:nvSpPr>
+              <p:spPr>
+                <a:xfrm>
+                  <a:off x="1951938" y="2524215"/>
+                  <a:ext cx="1597691" cy="325456"/>
+                </a:xfrm>
+                <a:prstGeom prst="rect">
+                  <a:avLst/>
+                </a:prstGeom>
+                <a:noFill/>
+              </p:spPr>
+              <p:txBody>
+                <a:bodyPr wrap="square" rtlCol="0">
+                  <a:spAutoFit/>
+                </a:bodyPr>
+                <a:lstStyle/>
+                <a:p>
+                  <a:r>
+                    <a:rPr lang="en-US" dirty="0" smtClean="0">
+                      <a:solidFill>
+                        <a:srgbClr val="000000"/>
+                      </a:solidFill>
+                    </a:rPr>
+                    <a:t>H2 dissociation</a:t>
+                  </a:r>
+                  <a:endParaRPr lang="en-US" dirty="0">
+                    <a:solidFill>
+                      <a:srgbClr val="000000"/>
+                    </a:solidFill>
+                  </a:endParaRPr>
+                </a:p>
+              </p:txBody>
+            </p:sp>
+            <p:cxnSp>
+              <p:nvCxnSpPr>
+                <p:cNvPr id="8" name="Straight Arrow Connector 7"/>
+                <p:cNvCxnSpPr/>
+                <p:nvPr/>
+              </p:nvCxnSpPr>
+              <p:spPr>
+                <a:xfrm>
+                  <a:off x="2671486" y="2849171"/>
+                  <a:ext cx="672410" cy="842036"/>
+                </a:xfrm>
+                <a:prstGeom prst="straightConnector1">
+                  <a:avLst/>
+                </a:prstGeom>
+                <a:ln>
+                  <a:solidFill>
+                    <a:schemeClr val="bg1"/>
+                  </a:solidFill>
+                  <a:tailEnd type="arrow"/>
+                </a:ln>
+                <a:effectLst/>
+              </p:spPr>
+              <p:style>
+                <a:lnRef idx="2">
+                  <a:schemeClr val="accent1"/>
+                </a:lnRef>
+                <a:fillRef idx="0">
+                  <a:schemeClr val="accent1"/>
+                </a:fillRef>
+                <a:effectRef idx="1">
+                  <a:schemeClr val="accent1"/>
+                </a:effectRef>
+                <a:fontRef idx="minor">
+                  <a:schemeClr val="tx1"/>
+                </a:fontRef>
+              </p:style>
+            </p:cxnSp>
+            <p:cxnSp>
+              <p:nvCxnSpPr>
+                <p:cNvPr id="9" name="Straight Arrow Connector 8"/>
+                <p:cNvCxnSpPr/>
+                <p:nvPr/>
+              </p:nvCxnSpPr>
+              <p:spPr>
+                <a:xfrm flipH="1">
+                  <a:off x="3738051" y="2849171"/>
+                  <a:ext cx="378665" cy="257765"/>
+                </a:xfrm>
+                <a:prstGeom prst="straightConnector1">
+                  <a:avLst/>
+                </a:prstGeom>
+                <a:ln>
+                  <a:solidFill>
+                    <a:schemeClr val="bg1"/>
+                  </a:solidFill>
+                  <a:tailEnd type="arrow"/>
+                </a:ln>
+                <a:effectLst/>
+              </p:spPr>
+              <p:style>
+                <a:lnRef idx="2">
+                  <a:schemeClr val="accent1"/>
+                </a:lnRef>
+                <a:fillRef idx="0">
+                  <a:schemeClr val="accent1"/>
+                </a:fillRef>
+                <a:effectRef idx="1">
+                  <a:schemeClr val="accent1"/>
+                </a:effectRef>
+                <a:fontRef idx="minor">
+                  <a:schemeClr val="tx1"/>
+                </a:fontRef>
+              </p:style>
+            </p:cxnSp>
+            <p:sp>
+              <p:nvSpPr>
+                <p:cNvPr id="10" name="TextBox 9"/>
+                <p:cNvSpPr txBox="1"/>
+                <p:nvPr/>
+              </p:nvSpPr>
+              <p:spPr>
+                <a:xfrm>
+                  <a:off x="3492529" y="2528368"/>
+                  <a:ext cx="1360174" cy="325456"/>
+                </a:xfrm>
+                <a:prstGeom prst="rect">
+                  <a:avLst/>
+                </a:prstGeom>
+                <a:noFill/>
+              </p:spPr>
+              <p:txBody>
+                <a:bodyPr wrap="square" rtlCol="0">
+                  <a:spAutoFit/>
+                </a:bodyPr>
+                <a:lstStyle/>
+                <a:p>
+                  <a:r>
+                    <a:rPr lang="en-US" dirty="0" smtClean="0">
+                      <a:solidFill>
+                        <a:srgbClr val="000000"/>
+                      </a:solidFill>
+                    </a:rPr>
+                    <a:t>H ionization</a:t>
+                  </a:r>
+                  <a:endParaRPr lang="en-US" dirty="0">
+                    <a:solidFill>
+                      <a:srgbClr val="000000"/>
+                    </a:solidFill>
+                  </a:endParaRPr>
+                </a:p>
+              </p:txBody>
+            </p:sp>
+            <p:cxnSp>
+              <p:nvCxnSpPr>
+                <p:cNvPr id="11" name="Straight Arrow Connector 10"/>
+                <p:cNvCxnSpPr/>
+                <p:nvPr/>
+              </p:nvCxnSpPr>
+              <p:spPr>
+                <a:xfrm flipV="1">
+                  <a:off x="1010125" y="4366545"/>
+                  <a:ext cx="1331675" cy="1398631"/>
+                </a:xfrm>
+                <a:prstGeom prst="straightConnector1">
+                  <a:avLst/>
+                </a:prstGeom>
+                <a:ln>
+                  <a:solidFill>
+                    <a:schemeClr val="bg1"/>
+                  </a:solidFill>
+                  <a:tailEnd type="arrow"/>
+                </a:ln>
+                <a:effectLst/>
+              </p:spPr>
+              <p:style>
+                <a:lnRef idx="2">
+                  <a:schemeClr val="accent1"/>
+                </a:lnRef>
+                <a:fillRef idx="0">
+                  <a:schemeClr val="accent1"/>
+                </a:fillRef>
+                <a:effectRef idx="1">
+                  <a:schemeClr val="accent1"/>
+                </a:effectRef>
+                <a:fontRef idx="minor">
+                  <a:schemeClr val="tx1"/>
+                </a:fontRef>
+              </p:style>
+            </p:cxnSp>
+            <p:cxnSp>
+              <p:nvCxnSpPr>
+                <p:cNvPr id="13" name="Straight Arrow Connector 12"/>
+                <p:cNvCxnSpPr/>
+                <p:nvPr/>
+              </p:nvCxnSpPr>
+              <p:spPr>
+                <a:xfrm>
+                  <a:off x="5649068" y="2787477"/>
+                  <a:ext cx="1092832" cy="1134060"/>
+                </a:xfrm>
+                <a:prstGeom prst="straightConnector1">
+                  <a:avLst/>
+                </a:prstGeom>
+                <a:ln>
+                  <a:solidFill>
+                    <a:schemeClr val="bg1">
+                      <a:lumMod val="65000"/>
+                      <a:lumOff val="35000"/>
+                    </a:schemeClr>
+                  </a:solidFill>
+                  <a:tailEnd type="arrow"/>
+                </a:ln>
+                <a:effectLst/>
+              </p:spPr>
+              <p:style>
+                <a:lnRef idx="2">
+                  <a:schemeClr val="accent1"/>
+                </a:lnRef>
+                <a:fillRef idx="0">
+                  <a:schemeClr val="accent1"/>
+                </a:fillRef>
+                <a:effectRef idx="1">
+                  <a:schemeClr val="accent1"/>
+                </a:effectRef>
+                <a:fontRef idx="minor">
+                  <a:schemeClr val="tx1"/>
+                </a:fontRef>
+              </p:style>
+            </p:cxnSp>
+            <p:sp>
+              <p:nvSpPr>
+                <p:cNvPr id="14" name="TextBox 13"/>
+                <p:cNvSpPr txBox="1"/>
+                <p:nvPr/>
+              </p:nvSpPr>
+              <p:spPr>
+                <a:xfrm>
+                  <a:off x="5127643" y="2462021"/>
+                  <a:ext cx="1606698" cy="325456"/>
+                </a:xfrm>
+                <a:prstGeom prst="rect">
+                  <a:avLst/>
+                </a:prstGeom>
+                <a:noFill/>
+              </p:spPr>
+              <p:txBody>
+                <a:bodyPr wrap="square" rtlCol="0">
+                  <a:spAutoFit/>
+                </a:bodyPr>
+                <a:lstStyle/>
+                <a:p>
+                  <a:r>
+                    <a:rPr lang="en-US" dirty="0" smtClean="0">
+                      <a:solidFill>
+                        <a:schemeClr val="bg1"/>
+                      </a:solidFill>
+                    </a:rPr>
+                    <a:t>Saumon+95</a:t>
+                  </a:r>
+                  <a:endParaRPr lang="en-US" dirty="0">
+                    <a:solidFill>
+                      <a:schemeClr val="bg1"/>
+                    </a:solidFill>
+                  </a:endParaRPr>
+                </a:p>
+              </p:txBody>
+            </p:sp>
+          </p:grpSp>
+          <p:sp>
+            <p:nvSpPr>
+              <p:cNvPr id="19" name="TextBox 18"/>
+              <p:cNvSpPr txBox="1"/>
+              <p:nvPr/>
+            </p:nvSpPr>
+            <p:spPr>
+              <a:xfrm>
+                <a:off x="744421" y="5684327"/>
+                <a:ext cx="1277379" cy="369332"/>
+              </a:xfrm>
+              <a:prstGeom prst="rect">
+                <a:avLst/>
+              </a:prstGeom>
+              <a:noFill/>
+            </p:spPr>
+            <p:txBody>
+              <a:bodyPr wrap="square" rtlCol="0">
+                <a:spAutoFit/>
+              </a:bodyPr>
+              <a:lstStyle/>
+              <a:p>
+                <a:r>
+                  <a:rPr lang="en-US" dirty="0" smtClean="0">
+                    <a:solidFill>
+                      <a:srgbClr val="000000"/>
+                    </a:solidFill>
+                  </a:rPr>
+                  <a:t>Ideal gas</a:t>
+                </a:r>
+                <a:endParaRPr lang="en-US" dirty="0">
+                  <a:solidFill>
+                    <a:srgbClr val="000000"/>
+                  </a:solidFill>
+                </a:endParaRPr>
+              </a:p>
+            </p:txBody>
+          </p:sp>
+        </p:grpSp>
+        <p:sp>
+          <p:nvSpPr>
+            <p:cNvPr id="31" name="TextBox 30"/>
+            <p:cNvSpPr txBox="1"/>
+            <p:nvPr/>
+          </p:nvSpPr>
+          <p:spPr>
+            <a:xfrm>
+              <a:off x="3651875" y="5675980"/>
+              <a:ext cx="1666300" cy="369332"/>
+            </a:xfrm>
+            <a:prstGeom prst="rect">
+              <a:avLst/>
+            </a:prstGeom>
+            <a:noFill/>
+          </p:spPr>
+          <p:txBody>
+            <a:bodyPr wrap="square" rtlCol="0">
+              <a:spAutoFit/>
+            </a:bodyPr>
+            <a:lstStyle/>
+            <a:p>
+              <a:r>
+                <a:rPr lang="en-US" dirty="0" smtClean="0">
+                  <a:solidFill>
+                    <a:srgbClr val="000000"/>
+                  </a:solidFill>
+                </a:rPr>
+                <a:t>Our extension</a:t>
+              </a:r>
+              <a:endParaRPr lang="en-US" dirty="0">
+                <a:solidFill>
+                  <a:srgbClr val="000000"/>
+                </a:solidFill>
+              </a:endParaRPr>
+            </a:p>
+          </p:txBody>
+        </p:sp>
+      </p:grpSp>
+      <p:sp>
+        <p:nvSpPr>
+          <p:cNvPr id="37" name="Title 1"/>
+          <p:cNvSpPr>
+            <a:spLocks noGrp="1"/>
+          </p:cNvSpPr>
+          <p:nvPr>
+            <p:ph type="title"/>
+          </p:nvPr>
+        </p:nvSpPr>
+        <p:spPr>
+          <a:xfrm>
+            <a:off x="457200" y="17948"/>
+            <a:ext cx="8229600" cy="1143000"/>
+          </a:xfrm>
+        </p:spPr>
+        <p:txBody>
+          <a:bodyPr>
+            <a:normAutofit fontScale="90000"/>
+          </a:bodyPr>
+          <a:lstStyle/>
+          <a:p>
+            <a:r>
+              <a:rPr lang="en-US" dirty="0" smtClean="0"/>
+              <a:t>   </a:t>
+            </a:r>
+            <a:r>
+              <a:rPr lang="en-US" sz="3800" dirty="0" smtClean="0"/>
+              <a:t>Adiabatic gradient                 is                            </a:t>
+            </a:r>
+            <a:r>
+              <a:rPr lang="en-US" sz="3800" dirty="0" smtClean="0">
+                <a:solidFill>
+                  <a:srgbClr val="FFFF00"/>
+                </a:solidFill>
+              </a:rPr>
+              <a:t>variable</a:t>
+            </a:r>
+            <a:r>
+              <a:rPr lang="en-US" sz="3800" dirty="0" smtClean="0"/>
+              <a:t> for </a:t>
+            </a:r>
+            <a:r>
+              <a:rPr lang="en-US" sz="3800" dirty="0" smtClean="0">
+                <a:solidFill>
+                  <a:srgbClr val="FFFF00"/>
+                </a:solidFill>
+              </a:rPr>
+              <a:t>realistic EOS</a:t>
+            </a:r>
+            <a:endParaRPr lang="en-US" sz="3800" dirty="0">
+              <a:solidFill>
+                <a:srgbClr val="FFFF00"/>
+              </a:solidFill>
+            </a:endParaRPr>
+          </a:p>
+        </p:txBody>
+      </p:sp>
+      <p:pic>
+        <p:nvPicPr>
+          <p:cNvPr id="38" name="Picture 37"/>
+          <p:cNvPicPr/>
+          <p:nvPr/>
+        </p:nvPicPr>
+        <p:blipFill>
+          <a:blip r:embed="rId4"/>
+          <a:stretch>
+            <a:fillRect/>
+          </a:stretch>
+        </p:blipFill>
+        <p:spPr>
+          <a:xfrm>
+            <a:off x="5528254" y="99008"/>
+            <a:ext cx="1296547" cy="554135"/>
+          </a:xfrm>
+          <a:prstGeom prst="rect">
+            <a:avLst/>
+          </a:prstGeom>
+          <a:solidFill>
+            <a:srgbClr val="FFFF00"/>
+          </a:solidFill>
+          <a:ln w="25400">
+            <a:solidFill>
+              <a:srgbClr val="0000FF"/>
+            </a:solidFill>
+          </a:ln>
+        </p:spPr>
+      </p:pic>
+      <p:cxnSp>
+        <p:nvCxnSpPr>
+          <p:cNvPr id="39" name="Straight Arrow Connector 38"/>
+          <p:cNvCxnSpPr/>
+          <p:nvPr/>
+        </p:nvCxnSpPr>
+        <p:spPr>
+          <a:xfrm flipH="1" flipV="1">
+            <a:off x="2810492" y="4672172"/>
+            <a:ext cx="1475549" cy="1444476"/>
+          </a:xfrm>
+          <a:prstGeom prst="straightConnector1">
+            <a:avLst/>
+          </a:prstGeom>
+          <a:ln>
+            <a:solidFill>
+              <a:schemeClr val="bg1">
+                <a:lumMod val="65000"/>
+                <a:lumOff val="35000"/>
+              </a:schemeClr>
+            </a:solidFill>
+            <a:tailEnd type="arrow"/>
+          </a:ln>
+          <a:effectLst/>
+        </p:spPr>
+        <p:style>
+          <a:lnRef idx="2">
+            <a:schemeClr val="accent1"/>
+          </a:lnRef>
+          <a:fillRef idx="0">
+            <a:schemeClr val="accent1"/>
+          </a:fillRef>
+          <a:effectRef idx="1">
+            <a:schemeClr val="accent1"/>
+          </a:effectRef>
+          <a:fontRef idx="minor">
+            <a:schemeClr val="tx1"/>
+          </a:fontRef>
+        </p:style>
+      </p:cxnSp>
+      <p:cxnSp>
+        <p:nvCxnSpPr>
+          <p:cNvPr id="40" name="Straight Arrow Connector 39"/>
+          <p:cNvCxnSpPr/>
+          <p:nvPr/>
+        </p:nvCxnSpPr>
+        <p:spPr>
+          <a:xfrm flipV="1">
+            <a:off x="4286041" y="4672172"/>
+            <a:ext cx="1172660" cy="1444476"/>
+          </a:xfrm>
+          <a:prstGeom prst="straightConnector1">
+            <a:avLst/>
+          </a:prstGeom>
+          <a:ln>
+            <a:solidFill>
+              <a:schemeClr val="bg1">
+                <a:lumMod val="65000"/>
+                <a:lumOff val="35000"/>
+              </a:schemeClr>
+            </a:solidFill>
+            <a:tailEnd type="arrow"/>
+          </a:ln>
+          <a:effectLst/>
+        </p:spPr>
+        <p:style>
+          <a:lnRef idx="2">
+            <a:schemeClr val="accent1"/>
+          </a:lnRef>
+          <a:fillRef idx="0">
+            <a:schemeClr val="accent1"/>
+          </a:fillRef>
+          <a:effectRef idx="1">
+            <a:schemeClr val="accent1"/>
+          </a:effectRef>
+          <a:fontRef idx="minor">
+            <a:schemeClr val="tx1"/>
+          </a:fontRef>
+        </p:style>
+      </p:cxnSp>
+      <p:cxnSp>
+        <p:nvCxnSpPr>
+          <p:cNvPr id="41" name="Straight Arrow Connector 40"/>
+          <p:cNvCxnSpPr/>
+          <p:nvPr/>
+        </p:nvCxnSpPr>
+        <p:spPr>
+          <a:xfrm flipH="1">
+            <a:off x="3798778" y="2769700"/>
+            <a:ext cx="2051762" cy="655047"/>
+          </a:xfrm>
+          <a:prstGeom prst="straightConnector1">
+            <a:avLst/>
+          </a:prstGeom>
+          <a:ln>
+            <a:solidFill>
+              <a:schemeClr val="bg1">
+                <a:lumMod val="65000"/>
+                <a:lumOff val="35000"/>
+              </a:schemeClr>
+            </a:solidFill>
+            <a:tailEnd type="arrow"/>
+          </a:ln>
+          <a:effectLst/>
+        </p:spPr>
+        <p:style>
+          <a:lnRef idx="2">
+            <a:schemeClr val="accent1"/>
+          </a:lnRef>
+          <a:fillRef idx="0">
+            <a:schemeClr val="accent1"/>
+          </a:fillRef>
+          <a:effectRef idx="1">
+            <a:schemeClr val="accent1"/>
+          </a:effectRef>
+          <a:fontRef idx="minor">
+            <a:schemeClr val="tx1"/>
+          </a:fontRef>
+        </p:style>
+      </p:cxnSp>
+      <p:cxnSp>
+        <p:nvCxnSpPr>
+          <p:cNvPr id="23" name="Straight Arrow Connector 22"/>
+          <p:cNvCxnSpPr/>
+          <p:nvPr/>
+        </p:nvCxnSpPr>
+        <p:spPr>
+          <a:xfrm flipH="1" flipV="1">
+            <a:off x="3497011" y="4958164"/>
+            <a:ext cx="3469286" cy="1190666"/>
+          </a:xfrm>
+          <a:prstGeom prst="straightConnector1">
+            <a:avLst/>
+          </a:prstGeom>
+          <a:ln>
+            <a:solidFill>
+              <a:schemeClr val="bg1"/>
+            </a:solidFill>
+            <a:tailEnd type="arrow"/>
+          </a:ln>
+          <a:effectLst/>
+        </p:spPr>
+        <p:style>
+          <a:lnRef idx="2">
+            <a:schemeClr val="accent1"/>
+          </a:lnRef>
+          <a:fillRef idx="0">
+            <a:schemeClr val="accent1"/>
+          </a:fillRef>
+          <a:effectRef idx="1">
+            <a:schemeClr val="accent1"/>
+          </a:effectRef>
+          <a:fontRef idx="minor">
+            <a:schemeClr val="tx1"/>
+          </a:fontRef>
+        </p:style>
+      </p:cxnSp>
+      <p:cxnSp>
+        <p:nvCxnSpPr>
+          <p:cNvPr id="24" name="Straight Arrow Connector 23"/>
+          <p:cNvCxnSpPr/>
+          <p:nvPr/>
+        </p:nvCxnSpPr>
+        <p:spPr>
+          <a:xfrm flipH="1" flipV="1">
+            <a:off x="6236800" y="5057740"/>
+            <a:ext cx="729497" cy="1091090"/>
+          </a:xfrm>
+          <a:prstGeom prst="straightConnector1">
+            <a:avLst/>
+          </a:prstGeom>
+          <a:ln>
+            <a:solidFill>
+              <a:schemeClr val="bg1"/>
+            </a:solidFill>
+            <a:tailEnd type="arrow"/>
+          </a:ln>
+          <a:effectLst/>
+        </p:spPr>
+        <p:style>
+          <a:lnRef idx="2">
+            <a:schemeClr val="accent1"/>
+          </a:lnRef>
+          <a:fillRef idx="0">
+            <a:schemeClr val="accent1"/>
+          </a:fillRef>
+          <a:effectRef idx="1">
+            <a:schemeClr val="accent1"/>
+          </a:effectRef>
+          <a:fontRef idx="minor">
+            <a:schemeClr val="tx1"/>
+          </a:fontRef>
+        </p:style>
+      </p:cxnSp>
+      <p:sp>
+        <p:nvSpPr>
+          <p:cNvPr id="25" name="TextBox 24"/>
+          <p:cNvSpPr txBox="1"/>
+          <p:nvPr/>
+        </p:nvSpPr>
+        <p:spPr>
+          <a:xfrm>
+            <a:off x="5065654" y="6195621"/>
+            <a:ext cx="3621146" cy="369332"/>
+          </a:xfrm>
+          <a:prstGeom prst="rect">
+            <a:avLst/>
+          </a:prstGeom>
+          <a:noFill/>
+        </p:spPr>
+        <p:txBody>
+          <a:bodyPr wrap="square" rtlCol="0">
+            <a:spAutoFit/>
+          </a:bodyPr>
+          <a:lstStyle/>
+          <a:p>
+            <a:r>
+              <a:rPr lang="en-US" dirty="0" smtClean="0">
+                <a:solidFill>
+                  <a:srgbClr val="000000"/>
+                </a:solidFill>
+              </a:rPr>
+              <a:t>Partially excited H</a:t>
+            </a:r>
+            <a:r>
+              <a:rPr lang="en-US" baseline="-25000" dirty="0" smtClean="0">
+                <a:solidFill>
+                  <a:srgbClr val="000000"/>
+                </a:solidFill>
+              </a:rPr>
+              <a:t>2</a:t>
+            </a:r>
+            <a:r>
+              <a:rPr lang="en-US" dirty="0" smtClean="0">
+                <a:solidFill>
+                  <a:srgbClr val="000000"/>
+                </a:solidFill>
+              </a:rPr>
+              <a:t> rotational states</a:t>
+            </a:r>
+            <a:endParaRPr lang="en-US" dirty="0">
+              <a:solidFill>
+                <a:srgbClr val="000000"/>
+              </a:solidFill>
+            </a:endParaRPr>
+          </a:p>
+        </p:txBody>
+      </p:sp>
+    </p:spTree>
+    <p:extLst>
+      <p:ext uri="{BB962C8B-B14F-4D97-AF65-F5344CB8AC3E}">
+        <p14:creationId xmlns:p14="http://schemas.microsoft.com/office/powerpoint/2010/main" val="2113533344"/>
+      </p:ext>
+    </p:extLst>
+  </p:cSld>
+  <p:clrMapOvr>
+    <a:masterClrMapping/>
+  </p:clrMapOvr>
+  <p:timing>
+    <p:tnLst>
+      <p:par>
+        <p:cTn xmlns:p14="http://schemas.microsoft.com/office/powerpoint/2010/main" id="1" dur="indefinite" restart="never" nodeType="tmRoot"/>
+      </p:par>
+    </p:tnLst>
+  </p:timing>
+</p:sld>
+</file>
+
+<file path=ppt/slides/slide14.xml><?xml version="1.0" encoding="utf-8"?>
 <p:sld xmlns:a="http://schemas.openxmlformats.org/drawingml/2006/main" xmlns:r="http://schemas.openxmlformats.org/officeDocument/2006/relationships" xmlns:p="http://schemas.openxmlformats.org/presentationml/2006/main">
   <p:cSld>
     <p:spTree>
@@ -7639,7 +8522,7 @@
 </p:sld>
 </file>
 
-<file path=ppt/slides/slide14.xml><?xml version="1.0" encoding="utf-8"?>
+<file path=ppt/slides/slide15.xml><?xml version="1.0" encoding="utf-8"?>
 <p:sld xmlns:a="http://schemas.openxmlformats.org/drawingml/2006/main" xmlns:r="http://schemas.openxmlformats.org/officeDocument/2006/relationships" xmlns:p="http://schemas.openxmlformats.org/presentationml/2006/main">
   <p:cSld>
     <p:spTree>
@@ -8011,7 +8894,7 @@
 </p:sld>
 </file>
 
-<file path=ppt/slides/slide15.xml><?xml version="1.0" encoding="utf-8"?>
+<file path=ppt/slides/slide16.xml><?xml version="1.0" encoding="utf-8"?>
 <p:sld xmlns:a="http://schemas.openxmlformats.org/drawingml/2006/main" xmlns:r="http://schemas.openxmlformats.org/officeDocument/2006/relationships" xmlns:p="http://schemas.openxmlformats.org/presentationml/2006/main">
   <p:cSld>
     <p:spTree>
@@ -8222,7 +9105,7 @@
 </p:sld>
 </file>
 
-<file path=ppt/slides/slide16.xml><?xml version="1.0" encoding="utf-8"?>
+<file path=ppt/slides/slide17.xml><?xml version="1.0" encoding="utf-8"?>
 <p:sld xmlns:a="http://schemas.openxmlformats.org/drawingml/2006/main" xmlns:r="http://schemas.openxmlformats.org/officeDocument/2006/relationships" xmlns:p="http://schemas.openxmlformats.org/presentationml/2006/main">
   <p:cSld>
     <p:spTree>
@@ -8454,7 +9337,7 @@
 </p:sld>
 </file>
 
-<file path=ppt/slides/slide17.xml><?xml version="1.0" encoding="utf-8"?>
+<file path=ppt/slides/slide18.xml><?xml version="1.0" encoding="utf-8"?>
 <p:sld xmlns:a="http://schemas.openxmlformats.org/drawingml/2006/main" xmlns:r="http://schemas.openxmlformats.org/officeDocument/2006/relationships" xmlns:p="http://schemas.openxmlformats.org/presentationml/2006/main">
   <p:cSld>
     <p:spTree>
@@ -8731,7 +9614,7 @@
 </p:sld>
 </file>
 
-<file path=ppt/slides/slide18.xml><?xml version="1.0" encoding="utf-8"?>
+<file path=ppt/slides/slide19.xml><?xml version="1.0" encoding="utf-8"?>
 <p:sld xmlns:a="http://schemas.openxmlformats.org/drawingml/2006/main" xmlns:r="http://schemas.openxmlformats.org/officeDocument/2006/relationships" xmlns:p="http://schemas.openxmlformats.org/presentationml/2006/main">
   <p:cSld>
     <p:spTree>
@@ -9131,12 +10014,12 @@
           </a:p>
           <a:p>
             <a:r>
-              <a:rPr lang="en-US" sz="2800" i="1" dirty="0" err="1" smtClean="0">
+              <a:rPr lang="en-US" sz="2800" i="1" dirty="0" err="1">
                 <a:solidFill>
                   <a:srgbClr val="FFFF00"/>
                 </a:solidFill>
               </a:rPr>
-              <a:t>S</a:t>
+              <a:t>s</a:t>
             </a:r>
             <a:r>
               <a:rPr lang="en-US" sz="2800" baseline="-25000" dirty="0" err="1" smtClean="0">
@@ -9152,7 +10035,15 @@
                   <a:srgbClr val="FFFF00"/>
                 </a:solidFill>
               </a:rPr>
-              <a:t> = 1 cm</a:t>
+              <a:t> </a:t>
+            </a:r>
+            <a:r>
+              <a:rPr lang="en-US" sz="2800" dirty="0" smtClean="0">
+                <a:solidFill>
+                  <a:srgbClr val="FFFF00"/>
+                </a:solidFill>
+              </a:rPr>
+              <a:t>= 1 cm</a:t>
             </a:r>
             <a:endParaRPr lang="en-US" sz="2800" i="1" dirty="0">
               <a:solidFill>
@@ -9166,554 +10057,6 @@
     <p:extLst>
       <p:ext uri="{BB962C8B-B14F-4D97-AF65-F5344CB8AC3E}">
         <p14:creationId xmlns:p14="http://schemas.microsoft.com/office/powerpoint/2010/main" val="872566693"/>
-      </p:ext>
-    </p:extLst>
-  </p:cSld>
-  <p:clrMapOvr>
-    <a:masterClrMapping/>
-  </p:clrMapOvr>
-  <p:timing>
-    <p:tnLst>
-      <p:par>
-        <p:cTn xmlns:p14="http://schemas.microsoft.com/office/powerpoint/2010/main" id="1" dur="indefinite" restart="never" nodeType="tmRoot"/>
-      </p:par>
-    </p:tnLst>
-  </p:timing>
-</p:sld>
-</file>
-
-<file path=ppt/slides/slide19.xml><?xml version="1.0" encoding="utf-8"?>
-<p:sld xmlns:a="http://schemas.openxmlformats.org/drawingml/2006/main" xmlns:r="http://schemas.openxmlformats.org/officeDocument/2006/relationships" xmlns:p="http://schemas.openxmlformats.org/presentationml/2006/main">
-  <p:cSld>
-    <p:spTree>
-      <p:nvGrpSpPr>
-        <p:cNvPr id="1" name=""/>
-        <p:cNvGrpSpPr/>
-        <p:nvPr/>
-      </p:nvGrpSpPr>
-      <p:grpSpPr>
-        <a:xfrm>
-          <a:off x="0" y="0"/>
-          <a:ext cx="0" cy="0"/>
-          <a:chOff x="0" y="0"/>
-          <a:chExt cx="0" cy="0"/>
-        </a:xfrm>
-      </p:grpSpPr>
-      <p:sp>
-        <p:nvSpPr>
-          <p:cNvPr id="2" name="Title 1"/>
-          <p:cNvSpPr>
-            <a:spLocks noGrp="1"/>
-          </p:cNvSpPr>
-          <p:nvPr>
-            <p:ph type="title"/>
-          </p:nvPr>
-        </p:nvSpPr>
-        <p:spPr>
-          <a:xfrm>
-            <a:off x="457200" y="153048"/>
-            <a:ext cx="8229600" cy="1143000"/>
-          </a:xfrm>
-        </p:spPr>
-        <p:txBody>
-          <a:bodyPr>
-            <a:normAutofit fontScale="90000"/>
-          </a:bodyPr>
-          <a:lstStyle/>
-          <a:p>
-            <a:r>
-              <a:rPr lang="en-US" dirty="0" smtClean="0"/>
-              <a:t>Grain growth opacity </a:t>
-            </a:r>
-            <a:r>
-              <a:rPr lang="en-US" dirty="0" smtClean="0">
-                <a:solidFill>
-                  <a:srgbClr val="FFFF00"/>
-                </a:solidFill>
-              </a:rPr>
-              <a:t>DECREASES</a:t>
-            </a:r>
-            <a:r>
-              <a:rPr lang="en-US" dirty="0" smtClean="0"/>
-              <a:t> </a:t>
-            </a:r>
-            <a:r>
-              <a:rPr lang="en-US" dirty="0" err="1" smtClean="0"/>
-              <a:t>M</a:t>
-            </a:r>
-            <a:r>
-              <a:rPr lang="en-US" baseline="-25000" dirty="0" err="1" smtClean="0"/>
-              <a:t>crit</a:t>
-            </a:r>
-            <a:endParaRPr lang="en-US" dirty="0"/>
-          </a:p>
-        </p:txBody>
-      </p:sp>
-      <p:pic>
-        <p:nvPicPr>
-          <p:cNvPr id="4" name="Picture 3" descr="Mcrit_vs_a_gg.pdf"/>
-          <p:cNvPicPr>
-            <a:picLocks noChangeAspect="1"/>
-          </p:cNvPicPr>
-          <p:nvPr/>
-        </p:nvPicPr>
-        <p:blipFill>
-          <a:blip r:embed="rId2">
-            <a:extLst>
-              <a:ext uri="{28A0092B-C50C-407E-A947-70E740481C1C}">
-                <a14:useLocalDpi xmlns:a14="http://schemas.microsoft.com/office/drawing/2010/main" val="0"/>
-              </a:ext>
-            </a:extLst>
-          </a:blip>
-          <a:stretch>
-            <a:fillRect/>
-          </a:stretch>
-        </p:blipFill>
-        <p:spPr>
-          <a:xfrm>
-            <a:off x="2664189" y="1296048"/>
-            <a:ext cx="6346899" cy="4765822"/>
-          </a:xfrm>
-          <a:prstGeom prst="rect">
-            <a:avLst/>
-          </a:prstGeom>
-        </p:spPr>
-      </p:pic>
-      <p:sp>
-        <p:nvSpPr>
-          <p:cNvPr id="6" name="TextBox 5"/>
-          <p:cNvSpPr txBox="1"/>
-          <p:nvPr/>
-        </p:nvSpPr>
-        <p:spPr>
-          <a:xfrm>
-            <a:off x="2729354" y="5546246"/>
-            <a:ext cx="2715840" cy="338554"/>
-          </a:xfrm>
-          <a:prstGeom prst="rect">
-            <a:avLst/>
-          </a:prstGeom>
-          <a:noFill/>
-        </p:spPr>
-        <p:txBody>
-          <a:bodyPr wrap="square" rtlCol="0">
-            <a:spAutoFit/>
-          </a:bodyPr>
-          <a:lstStyle/>
-          <a:p>
-            <a:r>
-              <a:rPr lang="en-US" sz="1600" dirty="0" err="1">
-                <a:solidFill>
-                  <a:srgbClr val="000000"/>
-                </a:solidFill>
-              </a:rPr>
-              <a:t>t_disk</a:t>
-            </a:r>
-            <a:r>
-              <a:rPr lang="en-US" sz="1600" dirty="0">
-                <a:solidFill>
-                  <a:srgbClr val="000000"/>
-                </a:solidFill>
-              </a:rPr>
-              <a:t> ~ 3 </a:t>
-            </a:r>
-            <a:r>
-              <a:rPr lang="en-US" sz="1600" dirty="0" err="1" smtClean="0">
-                <a:solidFill>
-                  <a:srgbClr val="000000"/>
-                </a:solidFill>
-              </a:rPr>
-              <a:t>Myr</a:t>
-            </a:r>
-            <a:r>
-              <a:rPr lang="en-US" sz="1600" dirty="0" smtClean="0">
-                <a:solidFill>
-                  <a:srgbClr val="000000"/>
-                </a:solidFill>
-              </a:rPr>
-              <a:t>, realistic EOS</a:t>
-            </a:r>
-            <a:endParaRPr lang="en-US" sz="1600" dirty="0">
-              <a:solidFill>
-                <a:srgbClr val="000000"/>
-              </a:solidFill>
-            </a:endParaRPr>
-          </a:p>
-        </p:txBody>
-      </p:sp>
-      <p:sp>
-        <p:nvSpPr>
-          <p:cNvPr id="7" name="TextBox 6"/>
-          <p:cNvSpPr txBox="1"/>
-          <p:nvPr/>
-        </p:nvSpPr>
-        <p:spPr>
-          <a:xfrm>
-            <a:off x="6336969" y="5703891"/>
-            <a:ext cx="2782215" cy="307777"/>
-          </a:xfrm>
-          <a:prstGeom prst="rect">
-            <a:avLst/>
-          </a:prstGeom>
-          <a:noFill/>
-        </p:spPr>
-        <p:txBody>
-          <a:bodyPr wrap="square" rtlCol="0">
-            <a:spAutoFit/>
-          </a:bodyPr>
-          <a:lstStyle/>
-          <a:p>
-            <a:r>
-              <a:rPr lang="en-US" sz="1400" dirty="0" smtClean="0">
-                <a:solidFill>
-                  <a:srgbClr val="000000"/>
-                </a:solidFill>
-              </a:rPr>
-              <a:t>Piso, </a:t>
-            </a:r>
-            <a:r>
-              <a:rPr lang="en-US" sz="1400" dirty="0" err="1" smtClean="0">
-                <a:solidFill>
-                  <a:srgbClr val="000000"/>
-                </a:solidFill>
-              </a:rPr>
-              <a:t>Youdin</a:t>
-            </a:r>
-            <a:r>
-              <a:rPr lang="en-US" sz="1400" dirty="0" smtClean="0">
-                <a:solidFill>
-                  <a:srgbClr val="000000"/>
-                </a:solidFill>
-              </a:rPr>
-              <a:t>, &amp; Murray-Clay (2015)</a:t>
-            </a:r>
-            <a:endParaRPr lang="en-US" sz="1400" dirty="0">
-              <a:solidFill>
-                <a:srgbClr val="000000"/>
-              </a:solidFill>
-            </a:endParaRPr>
-          </a:p>
-        </p:txBody>
-      </p:sp>
-      <p:sp>
-        <p:nvSpPr>
-          <p:cNvPr id="8" name="Rectangle 7"/>
-          <p:cNvSpPr/>
-          <p:nvPr/>
-        </p:nvSpPr>
-        <p:spPr>
-          <a:xfrm>
-            <a:off x="3814756" y="4120778"/>
-            <a:ext cx="4832699" cy="769831"/>
-          </a:xfrm>
-          <a:prstGeom prst="rect">
-            <a:avLst/>
-          </a:prstGeom>
-          <a:noFill/>
-          <a:ln w="38100">
-            <a:solidFill>
-              <a:srgbClr val="BD117E"/>
-            </a:solidFill>
-          </a:ln>
-          <a:effectLst/>
-        </p:spPr>
-        <p:style>
-          <a:lnRef idx="1">
-            <a:schemeClr val="accent1"/>
-          </a:lnRef>
-          <a:fillRef idx="3">
-            <a:schemeClr val="accent1"/>
-          </a:fillRef>
-          <a:effectRef idx="2">
-            <a:schemeClr val="accent1"/>
-          </a:effectRef>
-          <a:fontRef idx="minor">
-            <a:schemeClr val="lt1"/>
-          </a:fontRef>
-        </p:style>
-        <p:txBody>
-          <a:bodyPr rtlCol="0" anchor="ctr"/>
-          <a:lstStyle/>
-          <a:p>
-            <a:pPr algn="ctr"/>
-            <a:endParaRPr lang="en-US"/>
-          </a:p>
-        </p:txBody>
-      </p:sp>
-      <p:sp>
-        <p:nvSpPr>
-          <p:cNvPr id="10" name="TextBox 9"/>
-          <p:cNvSpPr txBox="1"/>
-          <p:nvPr/>
-        </p:nvSpPr>
-        <p:spPr>
-          <a:xfrm>
-            <a:off x="389645" y="1296048"/>
-            <a:ext cx="1799244" cy="1672252"/>
-          </a:xfrm>
-          <a:prstGeom prst="rect">
-            <a:avLst/>
-          </a:prstGeom>
-          <a:noFill/>
-          <a:ln w="38100">
-            <a:solidFill>
-              <a:srgbClr val="FFFF00"/>
-            </a:solidFill>
-          </a:ln>
-        </p:spPr>
-        <p:txBody>
-          <a:bodyPr wrap="square" rtlCol="0">
-            <a:spAutoFit/>
-          </a:bodyPr>
-          <a:lstStyle/>
-          <a:p>
-            <a:r>
-              <a:rPr lang="en-US" sz="2800" i="1" dirty="0" err="1" smtClean="0">
-                <a:solidFill>
-                  <a:srgbClr val="FFFF00"/>
-                </a:solidFill>
-              </a:rPr>
-              <a:t>dN</a:t>
-            </a:r>
-            <a:r>
-              <a:rPr lang="en-US" sz="2800" i="1" dirty="0" smtClean="0">
-                <a:solidFill>
-                  <a:srgbClr val="FFFF00"/>
-                </a:solidFill>
-              </a:rPr>
-              <a:t>/ds ~ s</a:t>
-            </a:r>
-            <a:r>
-              <a:rPr lang="en-US" sz="2800" i="1" baseline="30000" dirty="0" smtClean="0">
-                <a:solidFill>
-                  <a:srgbClr val="FFFF00"/>
-                </a:solidFill>
-              </a:rPr>
-              <a:t>-p</a:t>
-            </a:r>
-          </a:p>
-          <a:p>
-            <a:endParaRPr lang="en-US" sz="2800" i="1" baseline="30000" dirty="0">
-              <a:solidFill>
-                <a:srgbClr val="FFFF00"/>
-              </a:solidFill>
-            </a:endParaRPr>
-          </a:p>
-          <a:p>
-            <a:r>
-              <a:rPr lang="en-US" sz="2800" i="1" dirty="0" smtClean="0">
-                <a:solidFill>
-                  <a:srgbClr val="FFFF00"/>
-                </a:solidFill>
-              </a:rPr>
-              <a:t>p = 3.5</a:t>
-            </a:r>
-          </a:p>
-          <a:p>
-            <a:r>
-              <a:rPr lang="en-US" sz="2800" i="1" dirty="0" err="1" smtClean="0">
-                <a:solidFill>
-                  <a:srgbClr val="FFFF00"/>
-                </a:solidFill>
-              </a:rPr>
-              <a:t>S</a:t>
-            </a:r>
-            <a:r>
-              <a:rPr lang="en-US" sz="2800" baseline="-25000" dirty="0" err="1" smtClean="0">
-                <a:solidFill>
-                  <a:srgbClr val="FFFF00"/>
-                </a:solidFill>
-              </a:rPr>
-              <a:t>max</a:t>
-            </a:r>
-            <a:r>
-              <a:rPr lang="en-US" sz="2800" dirty="0" smtClean="0">
-                <a:solidFill>
-                  <a:srgbClr val="FFFF00"/>
-                </a:solidFill>
-              </a:rPr>
-              <a:t> = 1 cm</a:t>
-            </a:r>
-            <a:endParaRPr lang="en-US" sz="2800" i="1" dirty="0">
-              <a:solidFill>
-                <a:srgbClr val="FFFF00"/>
-              </a:solidFill>
-            </a:endParaRPr>
-          </a:p>
-        </p:txBody>
-      </p:sp>
-      <p:sp>
-        <p:nvSpPr>
-          <p:cNvPr id="3" name="TextBox 2"/>
-          <p:cNvSpPr txBox="1"/>
-          <p:nvPr/>
-        </p:nvSpPr>
-        <p:spPr>
-          <a:xfrm>
-            <a:off x="202677" y="3958422"/>
-            <a:ext cx="2310490" cy="1846659"/>
-          </a:xfrm>
-          <a:prstGeom prst="rect">
-            <a:avLst/>
-          </a:prstGeom>
-          <a:solidFill>
-            <a:srgbClr val="FFFF00"/>
-          </a:solidFill>
-          <a:ln w="38100">
-            <a:solidFill>
-              <a:srgbClr val="0000FF"/>
-            </a:solidFill>
-          </a:ln>
-        </p:spPr>
-        <p:txBody>
-          <a:bodyPr wrap="square" rtlCol="0">
-            <a:spAutoFit/>
-          </a:bodyPr>
-          <a:lstStyle/>
-          <a:p>
-            <a:pPr algn="ctr"/>
-            <a:r>
-              <a:rPr lang="en-US" sz="2400" dirty="0" err="1" smtClean="0">
-                <a:solidFill>
-                  <a:schemeClr val="bg1"/>
-                </a:solidFill>
-              </a:rPr>
-              <a:t>M</a:t>
-            </a:r>
-            <a:r>
-              <a:rPr lang="en-US" sz="2400" baseline="-25000" dirty="0" err="1" smtClean="0">
-                <a:solidFill>
-                  <a:schemeClr val="bg1"/>
-                </a:solidFill>
-              </a:rPr>
-              <a:t>crit</a:t>
-            </a:r>
-            <a:r>
-              <a:rPr lang="en-US" sz="2400" dirty="0">
-                <a:solidFill>
-                  <a:schemeClr val="bg1"/>
-                </a:solidFill>
-              </a:rPr>
-              <a:t>:</a:t>
-            </a:r>
-            <a:endParaRPr lang="en-US" sz="2400" dirty="0" smtClean="0">
-              <a:solidFill>
-                <a:schemeClr val="bg1"/>
-              </a:solidFill>
-            </a:endParaRPr>
-          </a:p>
-          <a:p>
-            <a:endParaRPr lang="en-US" sz="2400" dirty="0" smtClean="0">
-              <a:solidFill>
-                <a:schemeClr val="bg1"/>
-              </a:solidFill>
-            </a:endParaRPr>
-          </a:p>
-          <a:p>
-            <a:r>
-              <a:rPr lang="en-US" sz="2400" baseline="-25000" dirty="0" smtClean="0">
-                <a:solidFill>
-                  <a:schemeClr val="bg1"/>
-                </a:solidFill>
-              </a:rPr>
-              <a:t> </a:t>
-            </a:r>
-            <a:r>
-              <a:rPr lang="en-US" sz="2400" dirty="0" smtClean="0">
-                <a:solidFill>
-                  <a:schemeClr val="bg1"/>
-                </a:solidFill>
-              </a:rPr>
-              <a:t>~8 M</a:t>
-            </a:r>
-            <a:r>
-              <a:rPr lang="en-US" sz="2400" baseline="-25000" dirty="0" smtClean="0">
-                <a:solidFill>
-                  <a:schemeClr val="bg1"/>
-                </a:solidFill>
-              </a:rPr>
-              <a:t>E</a:t>
-            </a:r>
-            <a:r>
-              <a:rPr lang="en-US" sz="2400" dirty="0" smtClean="0">
-                <a:solidFill>
-                  <a:schemeClr val="bg1"/>
-                </a:solidFill>
-              </a:rPr>
-              <a:t> @ 5 AU</a:t>
-            </a:r>
-          </a:p>
-          <a:p>
-            <a:r>
-              <a:rPr lang="en-US" sz="2400" baseline="-25000" dirty="0" smtClean="0">
-                <a:solidFill>
-                  <a:schemeClr val="bg1"/>
-                </a:solidFill>
-              </a:rPr>
-              <a:t> </a:t>
-            </a:r>
-            <a:r>
-              <a:rPr lang="en-US" sz="2400" dirty="0" smtClean="0">
-                <a:solidFill>
-                  <a:schemeClr val="bg1"/>
-                </a:solidFill>
-              </a:rPr>
-              <a:t>~5 </a:t>
-            </a:r>
-            <a:r>
-              <a:rPr lang="en-US" sz="2400" dirty="0">
-                <a:solidFill>
-                  <a:schemeClr val="bg1"/>
-                </a:solidFill>
-              </a:rPr>
-              <a:t>M</a:t>
-            </a:r>
-            <a:r>
-              <a:rPr lang="en-US" sz="2400" baseline="-25000" dirty="0">
-                <a:solidFill>
-                  <a:schemeClr val="bg1"/>
-                </a:solidFill>
-              </a:rPr>
-              <a:t>E</a:t>
-            </a:r>
-            <a:r>
-              <a:rPr lang="en-US" sz="2400" dirty="0">
-                <a:solidFill>
-                  <a:schemeClr val="bg1"/>
-                </a:solidFill>
-              </a:rPr>
-              <a:t> @ </a:t>
-            </a:r>
-            <a:r>
-              <a:rPr lang="en-US" sz="2400" dirty="0" smtClean="0">
-                <a:solidFill>
-                  <a:schemeClr val="bg1"/>
-                </a:solidFill>
-              </a:rPr>
-              <a:t>100 </a:t>
-            </a:r>
-            <a:r>
-              <a:rPr lang="en-US" sz="2400" dirty="0">
-                <a:solidFill>
-                  <a:schemeClr val="bg1"/>
-                </a:solidFill>
-              </a:rPr>
-              <a:t>AU</a:t>
-            </a:r>
-          </a:p>
-          <a:p>
-            <a:endParaRPr lang="en-US" dirty="0">
-              <a:solidFill>
-                <a:srgbClr val="FFFF00"/>
-              </a:solidFill>
-            </a:endParaRPr>
-          </a:p>
-        </p:txBody>
-      </p:sp>
-    </p:spTree>
-    <p:extLst>
-      <p:ext uri="{BB962C8B-B14F-4D97-AF65-F5344CB8AC3E}">
-        <p14:creationId xmlns:p14="http://schemas.microsoft.com/office/powerpoint/2010/main" val="3082910392"/>
       </p:ext>
     </p:extLst>
   </p:cSld>
@@ -9983,6 +10326,562 @@
         </p:nvSpPr>
         <p:spPr>
           <a:xfrm>
+            <a:off x="457200" y="153048"/>
+            <a:ext cx="8229600" cy="1143000"/>
+          </a:xfrm>
+        </p:spPr>
+        <p:txBody>
+          <a:bodyPr>
+            <a:normAutofit fontScale="90000"/>
+          </a:bodyPr>
+          <a:lstStyle/>
+          <a:p>
+            <a:r>
+              <a:rPr lang="en-US" dirty="0" smtClean="0"/>
+              <a:t>Grain growth opacity </a:t>
+            </a:r>
+            <a:r>
+              <a:rPr lang="en-US" dirty="0" smtClean="0">
+                <a:solidFill>
+                  <a:srgbClr val="FFFF00"/>
+                </a:solidFill>
+              </a:rPr>
+              <a:t>DECREASES</a:t>
+            </a:r>
+            <a:r>
+              <a:rPr lang="en-US" dirty="0" smtClean="0"/>
+              <a:t> </a:t>
+            </a:r>
+            <a:r>
+              <a:rPr lang="en-US" dirty="0" err="1" smtClean="0"/>
+              <a:t>M</a:t>
+            </a:r>
+            <a:r>
+              <a:rPr lang="en-US" baseline="-25000" dirty="0" err="1" smtClean="0"/>
+              <a:t>crit</a:t>
+            </a:r>
+            <a:endParaRPr lang="en-US" dirty="0"/>
+          </a:p>
+        </p:txBody>
+      </p:sp>
+      <p:pic>
+        <p:nvPicPr>
+          <p:cNvPr id="4" name="Picture 3" descr="Mcrit_vs_a_gg.pdf"/>
+          <p:cNvPicPr>
+            <a:picLocks noChangeAspect="1"/>
+          </p:cNvPicPr>
+          <p:nvPr/>
+        </p:nvPicPr>
+        <p:blipFill>
+          <a:blip r:embed="rId2">
+            <a:extLst>
+              <a:ext uri="{28A0092B-C50C-407E-A947-70E740481C1C}">
+                <a14:useLocalDpi xmlns:a14="http://schemas.microsoft.com/office/drawing/2010/main" val="0"/>
+              </a:ext>
+            </a:extLst>
+          </a:blip>
+          <a:stretch>
+            <a:fillRect/>
+          </a:stretch>
+        </p:blipFill>
+        <p:spPr>
+          <a:xfrm>
+            <a:off x="2664189" y="1296048"/>
+            <a:ext cx="6346899" cy="4765822"/>
+          </a:xfrm>
+          <a:prstGeom prst="rect">
+            <a:avLst/>
+          </a:prstGeom>
+        </p:spPr>
+      </p:pic>
+      <p:sp>
+        <p:nvSpPr>
+          <p:cNvPr id="6" name="TextBox 5"/>
+          <p:cNvSpPr txBox="1"/>
+          <p:nvPr/>
+        </p:nvSpPr>
+        <p:spPr>
+          <a:xfrm>
+            <a:off x="2729354" y="5546246"/>
+            <a:ext cx="2715840" cy="338554"/>
+          </a:xfrm>
+          <a:prstGeom prst="rect">
+            <a:avLst/>
+          </a:prstGeom>
+          <a:noFill/>
+        </p:spPr>
+        <p:txBody>
+          <a:bodyPr wrap="square" rtlCol="0">
+            <a:spAutoFit/>
+          </a:bodyPr>
+          <a:lstStyle/>
+          <a:p>
+            <a:r>
+              <a:rPr lang="en-US" sz="1600" dirty="0" err="1">
+                <a:solidFill>
+                  <a:srgbClr val="000000"/>
+                </a:solidFill>
+              </a:rPr>
+              <a:t>t_disk</a:t>
+            </a:r>
+            <a:r>
+              <a:rPr lang="en-US" sz="1600" dirty="0">
+                <a:solidFill>
+                  <a:srgbClr val="000000"/>
+                </a:solidFill>
+              </a:rPr>
+              <a:t> ~ 3 </a:t>
+            </a:r>
+            <a:r>
+              <a:rPr lang="en-US" sz="1600" dirty="0" err="1" smtClean="0">
+                <a:solidFill>
+                  <a:srgbClr val="000000"/>
+                </a:solidFill>
+              </a:rPr>
+              <a:t>Myr</a:t>
+            </a:r>
+            <a:r>
+              <a:rPr lang="en-US" sz="1600" dirty="0" smtClean="0">
+                <a:solidFill>
+                  <a:srgbClr val="000000"/>
+                </a:solidFill>
+              </a:rPr>
+              <a:t>, realistic EOS</a:t>
+            </a:r>
+            <a:endParaRPr lang="en-US" sz="1600" dirty="0">
+              <a:solidFill>
+                <a:srgbClr val="000000"/>
+              </a:solidFill>
+            </a:endParaRPr>
+          </a:p>
+        </p:txBody>
+      </p:sp>
+      <p:sp>
+        <p:nvSpPr>
+          <p:cNvPr id="7" name="TextBox 6"/>
+          <p:cNvSpPr txBox="1"/>
+          <p:nvPr/>
+        </p:nvSpPr>
+        <p:spPr>
+          <a:xfrm>
+            <a:off x="6336969" y="5703891"/>
+            <a:ext cx="2782215" cy="307777"/>
+          </a:xfrm>
+          <a:prstGeom prst="rect">
+            <a:avLst/>
+          </a:prstGeom>
+          <a:noFill/>
+        </p:spPr>
+        <p:txBody>
+          <a:bodyPr wrap="square" rtlCol="0">
+            <a:spAutoFit/>
+          </a:bodyPr>
+          <a:lstStyle/>
+          <a:p>
+            <a:r>
+              <a:rPr lang="en-US" sz="1400" dirty="0" smtClean="0">
+                <a:solidFill>
+                  <a:srgbClr val="000000"/>
+                </a:solidFill>
+              </a:rPr>
+              <a:t>Piso, </a:t>
+            </a:r>
+            <a:r>
+              <a:rPr lang="en-US" sz="1400" dirty="0" err="1" smtClean="0">
+                <a:solidFill>
+                  <a:srgbClr val="000000"/>
+                </a:solidFill>
+              </a:rPr>
+              <a:t>Youdin</a:t>
+            </a:r>
+            <a:r>
+              <a:rPr lang="en-US" sz="1400" dirty="0" smtClean="0">
+                <a:solidFill>
+                  <a:srgbClr val="000000"/>
+                </a:solidFill>
+              </a:rPr>
+              <a:t>, &amp; Murray-Clay (2015)</a:t>
+            </a:r>
+            <a:endParaRPr lang="en-US" sz="1400" dirty="0">
+              <a:solidFill>
+                <a:srgbClr val="000000"/>
+              </a:solidFill>
+            </a:endParaRPr>
+          </a:p>
+        </p:txBody>
+      </p:sp>
+      <p:sp>
+        <p:nvSpPr>
+          <p:cNvPr id="8" name="Rectangle 7"/>
+          <p:cNvSpPr/>
+          <p:nvPr/>
+        </p:nvSpPr>
+        <p:spPr>
+          <a:xfrm>
+            <a:off x="3814756" y="4120778"/>
+            <a:ext cx="4832699" cy="769831"/>
+          </a:xfrm>
+          <a:prstGeom prst="rect">
+            <a:avLst/>
+          </a:prstGeom>
+          <a:noFill/>
+          <a:ln w="38100">
+            <a:solidFill>
+              <a:srgbClr val="BD117E"/>
+            </a:solidFill>
+          </a:ln>
+          <a:effectLst/>
+        </p:spPr>
+        <p:style>
+          <a:lnRef idx="1">
+            <a:schemeClr val="accent1"/>
+          </a:lnRef>
+          <a:fillRef idx="3">
+            <a:schemeClr val="accent1"/>
+          </a:fillRef>
+          <a:effectRef idx="2">
+            <a:schemeClr val="accent1"/>
+          </a:effectRef>
+          <a:fontRef idx="minor">
+            <a:schemeClr val="lt1"/>
+          </a:fontRef>
+        </p:style>
+        <p:txBody>
+          <a:bodyPr rtlCol="0" anchor="ctr"/>
+          <a:lstStyle/>
+          <a:p>
+            <a:pPr algn="ctr"/>
+            <a:endParaRPr lang="en-US"/>
+          </a:p>
+        </p:txBody>
+      </p:sp>
+      <p:sp>
+        <p:nvSpPr>
+          <p:cNvPr id="10" name="TextBox 9"/>
+          <p:cNvSpPr txBox="1"/>
+          <p:nvPr/>
+        </p:nvSpPr>
+        <p:spPr>
+          <a:xfrm>
+            <a:off x="389645" y="1296048"/>
+            <a:ext cx="1799244" cy="1672252"/>
+          </a:xfrm>
+          <a:prstGeom prst="rect">
+            <a:avLst/>
+          </a:prstGeom>
+          <a:noFill/>
+          <a:ln w="38100">
+            <a:solidFill>
+              <a:srgbClr val="FFFF00"/>
+            </a:solidFill>
+          </a:ln>
+        </p:spPr>
+        <p:txBody>
+          <a:bodyPr wrap="square" rtlCol="0">
+            <a:spAutoFit/>
+          </a:bodyPr>
+          <a:lstStyle/>
+          <a:p>
+            <a:r>
+              <a:rPr lang="en-US" sz="2800" i="1" dirty="0" err="1" smtClean="0">
+                <a:solidFill>
+                  <a:srgbClr val="FFFF00"/>
+                </a:solidFill>
+              </a:rPr>
+              <a:t>dN</a:t>
+            </a:r>
+            <a:r>
+              <a:rPr lang="en-US" sz="2800" i="1" dirty="0" smtClean="0">
+                <a:solidFill>
+                  <a:srgbClr val="FFFF00"/>
+                </a:solidFill>
+              </a:rPr>
+              <a:t>/ds ~ s</a:t>
+            </a:r>
+            <a:r>
+              <a:rPr lang="en-US" sz="2800" i="1" baseline="30000" dirty="0" smtClean="0">
+                <a:solidFill>
+                  <a:srgbClr val="FFFF00"/>
+                </a:solidFill>
+              </a:rPr>
+              <a:t>-p</a:t>
+            </a:r>
+          </a:p>
+          <a:p>
+            <a:endParaRPr lang="en-US" sz="2800" i="1" baseline="30000" dirty="0">
+              <a:solidFill>
+                <a:srgbClr val="FFFF00"/>
+              </a:solidFill>
+            </a:endParaRPr>
+          </a:p>
+          <a:p>
+            <a:r>
+              <a:rPr lang="en-US" sz="2800" i="1" dirty="0" smtClean="0">
+                <a:solidFill>
+                  <a:srgbClr val="FFFF00"/>
+                </a:solidFill>
+              </a:rPr>
+              <a:t>p = 3.5</a:t>
+            </a:r>
+          </a:p>
+          <a:p>
+            <a:r>
+              <a:rPr lang="en-US" sz="2800" i="1" dirty="0" err="1">
+                <a:solidFill>
+                  <a:srgbClr val="FFFF00"/>
+                </a:solidFill>
+              </a:rPr>
+              <a:t>s</a:t>
+            </a:r>
+            <a:r>
+              <a:rPr lang="en-US" sz="2800" baseline="-25000" dirty="0" err="1" smtClean="0">
+                <a:solidFill>
+                  <a:srgbClr val="FFFF00"/>
+                </a:solidFill>
+              </a:rPr>
+              <a:t>max</a:t>
+            </a:r>
+            <a:r>
+              <a:rPr lang="en-US" sz="2800" dirty="0" smtClean="0">
+                <a:solidFill>
+                  <a:srgbClr val="FFFF00"/>
+                </a:solidFill>
+              </a:rPr>
+              <a:t> </a:t>
+            </a:r>
+            <a:r>
+              <a:rPr lang="en-US" sz="2800" dirty="0" smtClean="0">
+                <a:solidFill>
+                  <a:srgbClr val="FFFF00"/>
+                </a:solidFill>
+              </a:rPr>
+              <a:t>= 1 cm</a:t>
+            </a:r>
+            <a:endParaRPr lang="en-US" sz="2800" i="1" dirty="0">
+              <a:solidFill>
+                <a:srgbClr val="FFFF00"/>
+              </a:solidFill>
+            </a:endParaRPr>
+          </a:p>
+        </p:txBody>
+      </p:sp>
+      <p:sp>
+        <p:nvSpPr>
+          <p:cNvPr id="3" name="TextBox 2"/>
+          <p:cNvSpPr txBox="1"/>
+          <p:nvPr/>
+        </p:nvSpPr>
+        <p:spPr>
+          <a:xfrm>
+            <a:off x="202677" y="3958422"/>
+            <a:ext cx="2310490" cy="1846659"/>
+          </a:xfrm>
+          <a:prstGeom prst="rect">
+            <a:avLst/>
+          </a:prstGeom>
+          <a:solidFill>
+            <a:srgbClr val="FFFF00"/>
+          </a:solidFill>
+          <a:ln w="38100">
+            <a:solidFill>
+              <a:srgbClr val="0000FF"/>
+            </a:solidFill>
+          </a:ln>
+        </p:spPr>
+        <p:txBody>
+          <a:bodyPr wrap="square" rtlCol="0">
+            <a:spAutoFit/>
+          </a:bodyPr>
+          <a:lstStyle/>
+          <a:p>
+            <a:pPr algn="ctr"/>
+            <a:r>
+              <a:rPr lang="en-US" sz="2400" dirty="0" err="1" smtClean="0">
+                <a:solidFill>
+                  <a:schemeClr val="bg1"/>
+                </a:solidFill>
+              </a:rPr>
+              <a:t>M</a:t>
+            </a:r>
+            <a:r>
+              <a:rPr lang="en-US" sz="2400" baseline="-25000" dirty="0" err="1" smtClean="0">
+                <a:solidFill>
+                  <a:schemeClr val="bg1"/>
+                </a:solidFill>
+              </a:rPr>
+              <a:t>crit</a:t>
+            </a:r>
+            <a:r>
+              <a:rPr lang="en-US" sz="2400" dirty="0">
+                <a:solidFill>
+                  <a:schemeClr val="bg1"/>
+                </a:solidFill>
+              </a:rPr>
+              <a:t>:</a:t>
+            </a:r>
+            <a:endParaRPr lang="en-US" sz="2400" dirty="0" smtClean="0">
+              <a:solidFill>
+                <a:schemeClr val="bg1"/>
+              </a:solidFill>
+            </a:endParaRPr>
+          </a:p>
+          <a:p>
+            <a:endParaRPr lang="en-US" sz="2400" dirty="0" smtClean="0">
+              <a:solidFill>
+                <a:schemeClr val="bg1"/>
+              </a:solidFill>
+            </a:endParaRPr>
+          </a:p>
+          <a:p>
+            <a:r>
+              <a:rPr lang="en-US" sz="2400" baseline="-25000" dirty="0" smtClean="0">
+                <a:solidFill>
+                  <a:schemeClr val="bg1"/>
+                </a:solidFill>
+              </a:rPr>
+              <a:t> </a:t>
+            </a:r>
+            <a:r>
+              <a:rPr lang="en-US" sz="2400" dirty="0" smtClean="0">
+                <a:solidFill>
+                  <a:schemeClr val="bg1"/>
+                </a:solidFill>
+              </a:rPr>
+              <a:t>~8 M</a:t>
+            </a:r>
+            <a:r>
+              <a:rPr lang="en-US" sz="2400" baseline="-25000" dirty="0" smtClean="0">
+                <a:solidFill>
+                  <a:schemeClr val="bg1"/>
+                </a:solidFill>
+              </a:rPr>
+              <a:t>E</a:t>
+            </a:r>
+            <a:r>
+              <a:rPr lang="en-US" sz="2400" dirty="0" smtClean="0">
+                <a:solidFill>
+                  <a:schemeClr val="bg1"/>
+                </a:solidFill>
+              </a:rPr>
+              <a:t> @ 5 AU</a:t>
+            </a:r>
+          </a:p>
+          <a:p>
+            <a:r>
+              <a:rPr lang="en-US" sz="2400" baseline="-25000" dirty="0" smtClean="0">
+                <a:solidFill>
+                  <a:schemeClr val="bg1"/>
+                </a:solidFill>
+              </a:rPr>
+              <a:t> </a:t>
+            </a:r>
+            <a:r>
+              <a:rPr lang="en-US" sz="2400" dirty="0" smtClean="0">
+                <a:solidFill>
+                  <a:schemeClr val="bg1"/>
+                </a:solidFill>
+              </a:rPr>
+              <a:t>~5 </a:t>
+            </a:r>
+            <a:r>
+              <a:rPr lang="en-US" sz="2400" dirty="0">
+                <a:solidFill>
+                  <a:schemeClr val="bg1"/>
+                </a:solidFill>
+              </a:rPr>
+              <a:t>M</a:t>
+            </a:r>
+            <a:r>
+              <a:rPr lang="en-US" sz="2400" baseline="-25000" dirty="0">
+                <a:solidFill>
+                  <a:schemeClr val="bg1"/>
+                </a:solidFill>
+              </a:rPr>
+              <a:t>E</a:t>
+            </a:r>
+            <a:r>
+              <a:rPr lang="en-US" sz="2400" dirty="0">
+                <a:solidFill>
+                  <a:schemeClr val="bg1"/>
+                </a:solidFill>
+              </a:rPr>
+              <a:t> @ </a:t>
+            </a:r>
+            <a:r>
+              <a:rPr lang="en-US" sz="2400" dirty="0" smtClean="0">
+                <a:solidFill>
+                  <a:schemeClr val="bg1"/>
+                </a:solidFill>
+              </a:rPr>
+              <a:t>100 </a:t>
+            </a:r>
+            <a:r>
+              <a:rPr lang="en-US" sz="2400" dirty="0">
+                <a:solidFill>
+                  <a:schemeClr val="bg1"/>
+                </a:solidFill>
+              </a:rPr>
+              <a:t>AU</a:t>
+            </a:r>
+          </a:p>
+          <a:p>
+            <a:endParaRPr lang="en-US" dirty="0">
+              <a:solidFill>
+                <a:srgbClr val="FFFF00"/>
+              </a:solidFill>
+            </a:endParaRPr>
+          </a:p>
+        </p:txBody>
+      </p:sp>
+    </p:spTree>
+    <p:extLst>
+      <p:ext uri="{BB962C8B-B14F-4D97-AF65-F5344CB8AC3E}">
+        <p14:creationId xmlns:p14="http://schemas.microsoft.com/office/powerpoint/2010/main" val="3082910392"/>
+      </p:ext>
+    </p:extLst>
+  </p:cSld>
+  <p:clrMapOvr>
+    <a:masterClrMapping/>
+  </p:clrMapOvr>
+  <p:timing>
+    <p:tnLst>
+      <p:par>
+        <p:cTn xmlns:p14="http://schemas.microsoft.com/office/powerpoint/2010/main" id="1" dur="indefinite" restart="never" nodeType="tmRoot"/>
+      </p:par>
+    </p:tnLst>
+  </p:timing>
+</p:sld>
+</file>
+
+<file path=ppt/slides/slide21.xml><?xml version="1.0" encoding="utf-8"?>
+<p:sld xmlns:a="http://schemas.openxmlformats.org/drawingml/2006/main" xmlns:r="http://schemas.openxmlformats.org/officeDocument/2006/relationships" xmlns:p="http://schemas.openxmlformats.org/presentationml/2006/main">
+  <p:cSld>
+    <p:spTree>
+      <p:nvGrpSpPr>
+        <p:cNvPr id="1" name=""/>
+        <p:cNvGrpSpPr/>
+        <p:nvPr/>
+      </p:nvGrpSpPr>
+      <p:grpSpPr>
+        <a:xfrm>
+          <a:off x="0" y="0"/>
+          <a:ext cx="0" cy="0"/>
+          <a:chOff x="0" y="0"/>
+          <a:chExt cx="0" cy="0"/>
+        </a:xfrm>
+      </p:grpSpPr>
+      <p:sp>
+        <p:nvSpPr>
+          <p:cNvPr id="2" name="Title 1"/>
+          <p:cNvSpPr>
+            <a:spLocks noGrp="1"/>
+          </p:cNvSpPr>
+          <p:nvPr>
+            <p:ph type="title"/>
+          </p:nvPr>
+        </p:nvSpPr>
+        <p:spPr>
+          <a:xfrm>
             <a:off x="457200" y="207088"/>
             <a:ext cx="8229600" cy="1143000"/>
           </a:xfrm>
@@ -10264,7 +11163,515 @@
 </p:sld>
 </file>
 
-<file path=ppt/slides/slide21.xml><?xml version="1.0" encoding="utf-8"?>
+<file path=ppt/slides/slide22.xml><?xml version="1.0" encoding="utf-8"?>
+<p:sld xmlns:a="http://schemas.openxmlformats.org/drawingml/2006/main" xmlns:r="http://schemas.openxmlformats.org/officeDocument/2006/relationships" xmlns:p="http://schemas.openxmlformats.org/presentationml/2006/main">
+  <p:cSld>
+    <p:spTree>
+      <p:nvGrpSpPr>
+        <p:cNvPr id="1" name=""/>
+        <p:cNvGrpSpPr/>
+        <p:nvPr/>
+      </p:nvGrpSpPr>
+      <p:grpSpPr>
+        <a:xfrm>
+          <a:off x="0" y="0"/>
+          <a:ext cx="0" cy="0"/>
+          <a:chOff x="0" y="0"/>
+          <a:chExt cx="0" cy="0"/>
+        </a:xfrm>
+      </p:grpSpPr>
+      <p:sp>
+        <p:nvSpPr>
+          <p:cNvPr id="2" name="Title 1"/>
+          <p:cNvSpPr>
+            <a:spLocks noGrp="1"/>
+          </p:cNvSpPr>
+          <p:nvPr>
+            <p:ph type="title"/>
+          </p:nvPr>
+        </p:nvSpPr>
+        <p:spPr>
+          <a:xfrm>
+            <a:off x="457200" y="155938"/>
+            <a:ext cx="8229600" cy="1143000"/>
+          </a:xfrm>
+        </p:spPr>
+        <p:txBody>
+          <a:bodyPr/>
+          <a:lstStyle/>
+          <a:p>
+            <a:r>
+              <a:rPr lang="en-US" dirty="0" smtClean="0"/>
+              <a:t>Summary</a:t>
+            </a:r>
+            <a:endParaRPr lang="en-US" dirty="0"/>
+          </a:p>
+        </p:txBody>
+      </p:sp>
+      <p:sp>
+        <p:nvSpPr>
+          <p:cNvPr id="3" name="Content Placeholder 2"/>
+          <p:cNvSpPr>
+            <a:spLocks noGrp="1"/>
+          </p:cNvSpPr>
+          <p:nvPr>
+            <p:ph idx="1"/>
+          </p:nvPr>
+        </p:nvSpPr>
+        <p:spPr>
+          <a:xfrm>
+            <a:off x="457200" y="1412552"/>
+            <a:ext cx="8229600" cy="5104180"/>
+          </a:xfrm>
+        </p:spPr>
+        <p:txBody>
+          <a:bodyPr>
+            <a:normAutofit fontScale="77500" lnSpcReduction="20000"/>
+          </a:bodyPr>
+          <a:lstStyle/>
+          <a:p>
+            <a:r>
+              <a:rPr lang="en-US" dirty="0" smtClean="0"/>
+              <a:t>H</a:t>
+            </a:r>
+            <a:r>
+              <a:rPr lang="en-US" baseline="-25000" dirty="0" smtClean="0"/>
+              <a:t>2</a:t>
+            </a:r>
+            <a:r>
+              <a:rPr lang="en-US" dirty="0" smtClean="0"/>
+              <a:t> dissociation and </a:t>
+            </a:r>
+            <a:r>
+              <a:rPr lang="en-US" dirty="0" smtClean="0">
+                <a:solidFill>
+                  <a:srgbClr val="FFFFFF"/>
+                </a:solidFill>
+              </a:rPr>
+              <a:t>variable occupation of H</a:t>
+            </a:r>
+            <a:r>
+              <a:rPr lang="en-US" baseline="-25000" dirty="0" smtClean="0">
+                <a:solidFill>
+                  <a:srgbClr val="FFFFFF"/>
+                </a:solidFill>
+              </a:rPr>
+              <a:t>2 </a:t>
+            </a:r>
+            <a:r>
+              <a:rPr lang="en-US" dirty="0" smtClean="0">
+                <a:solidFill>
+                  <a:srgbClr val="FFFFFF"/>
+                </a:solidFill>
+              </a:rPr>
+              <a:t>rotational states </a:t>
+            </a:r>
+            <a:r>
+              <a:rPr lang="en-US" dirty="0" smtClean="0">
+                <a:solidFill>
+                  <a:srgbClr val="FFFF00"/>
+                </a:solidFill>
+              </a:rPr>
+              <a:t>INCREASE</a:t>
+            </a:r>
+            <a:r>
+              <a:rPr lang="en-US" dirty="0" smtClean="0"/>
+              <a:t> </a:t>
+            </a:r>
+            <a:r>
+              <a:rPr lang="en-US" dirty="0" err="1" smtClean="0"/>
+              <a:t>M</a:t>
+            </a:r>
+            <a:r>
+              <a:rPr lang="en-US" baseline="-25000" dirty="0" err="1" smtClean="0"/>
+              <a:t>crit</a:t>
+            </a:r>
+            <a:r>
+              <a:rPr lang="en-US" dirty="0" smtClean="0"/>
+              <a:t> when compared to an ideal gas </a:t>
+            </a:r>
+            <a:r>
+              <a:rPr lang="en-US" dirty="0" err="1" smtClean="0"/>
+              <a:t>polytrope</a:t>
+            </a:r>
+            <a:endParaRPr lang="en-US" baseline="-25000" dirty="0" smtClean="0"/>
+          </a:p>
+          <a:p>
+            <a:endParaRPr lang="en-US" dirty="0" smtClean="0"/>
+          </a:p>
+          <a:p>
+            <a:r>
+              <a:rPr lang="en-US" dirty="0" smtClean="0"/>
+              <a:t>Grain growth opacity </a:t>
+            </a:r>
+            <a:r>
+              <a:rPr lang="en-US" dirty="0" smtClean="0">
+                <a:solidFill>
+                  <a:srgbClr val="FFFF00"/>
+                </a:solidFill>
+              </a:rPr>
+              <a:t>DECREASES</a:t>
+            </a:r>
+            <a:r>
+              <a:rPr lang="en-US" dirty="0" smtClean="0"/>
+              <a:t> </a:t>
+            </a:r>
+            <a:r>
+              <a:rPr lang="en-US" dirty="0" err="1" smtClean="0"/>
+              <a:t>M</a:t>
+            </a:r>
+            <a:r>
+              <a:rPr lang="en-US" baseline="-25000" dirty="0" err="1" smtClean="0"/>
+              <a:t>crit</a:t>
+            </a:r>
+            <a:r>
+              <a:rPr lang="en-US" dirty="0" smtClean="0"/>
+              <a:t> compared to ISM opacity</a:t>
+            </a:r>
+            <a:endParaRPr lang="en-US" baseline="-25000" dirty="0" smtClean="0"/>
+          </a:p>
+          <a:p>
+            <a:endParaRPr lang="en-US" dirty="0" smtClean="0"/>
+          </a:p>
+          <a:p>
+            <a:r>
+              <a:rPr lang="en-US" dirty="0" err="1" smtClean="0">
+                <a:solidFill>
+                  <a:srgbClr val="FFFFFF"/>
+                </a:solidFill>
+              </a:rPr>
+              <a:t>M</a:t>
+            </a:r>
+            <a:r>
+              <a:rPr lang="en-US" baseline="-25000" dirty="0" err="1" smtClean="0">
+                <a:solidFill>
+                  <a:srgbClr val="FFFFFF"/>
+                </a:solidFill>
+              </a:rPr>
+              <a:t>crit</a:t>
+            </a:r>
+            <a:r>
+              <a:rPr lang="en-US" dirty="0" smtClean="0">
+                <a:solidFill>
+                  <a:srgbClr val="FFFFFF"/>
+                </a:solidFill>
+              </a:rPr>
+              <a:t> ~</a:t>
+            </a:r>
+            <a:r>
+              <a:rPr lang="en-US" dirty="0" smtClean="0">
+                <a:solidFill>
+                  <a:srgbClr val="FFFF00"/>
+                </a:solidFill>
+              </a:rPr>
+              <a:t> 8 M</a:t>
+            </a:r>
+            <a:r>
+              <a:rPr lang="en-US" baseline="-25000" dirty="0" smtClean="0">
+                <a:solidFill>
+                  <a:srgbClr val="FFFF00"/>
+                </a:solidFill>
+              </a:rPr>
+              <a:t>E</a:t>
+            </a:r>
+            <a:r>
+              <a:rPr lang="en-US" dirty="0" smtClean="0">
+                <a:solidFill>
+                  <a:srgbClr val="FFFF00"/>
+                </a:solidFill>
+              </a:rPr>
+              <a:t> </a:t>
+            </a:r>
+            <a:r>
+              <a:rPr lang="en-US" dirty="0" smtClean="0">
+                <a:solidFill>
+                  <a:srgbClr val="FFFFFF"/>
+                </a:solidFill>
+              </a:rPr>
+              <a:t>at </a:t>
+            </a:r>
+            <a:r>
+              <a:rPr lang="en-US" dirty="0" smtClean="0">
+                <a:solidFill>
+                  <a:srgbClr val="FFFF00"/>
+                </a:solidFill>
+              </a:rPr>
+              <a:t>5 AU </a:t>
+            </a:r>
+            <a:r>
+              <a:rPr lang="en-US" dirty="0" smtClean="0">
+                <a:solidFill>
+                  <a:srgbClr val="FFFFFF"/>
+                </a:solidFill>
+              </a:rPr>
+              <a:t>and ~ </a:t>
+            </a:r>
+            <a:r>
+              <a:rPr lang="en-US" dirty="0" smtClean="0">
+                <a:solidFill>
+                  <a:srgbClr val="FFFF00"/>
+                </a:solidFill>
+              </a:rPr>
+              <a:t>5 M</a:t>
+            </a:r>
+            <a:r>
+              <a:rPr lang="en-US" baseline="-25000" dirty="0" smtClean="0">
+                <a:solidFill>
+                  <a:srgbClr val="FFFF00"/>
+                </a:solidFill>
+              </a:rPr>
+              <a:t>E</a:t>
+            </a:r>
+            <a:r>
+              <a:rPr lang="en-US" dirty="0" smtClean="0">
+                <a:solidFill>
+                  <a:srgbClr val="FFFF00"/>
+                </a:solidFill>
+              </a:rPr>
+              <a:t> </a:t>
+            </a:r>
+            <a:r>
+              <a:rPr lang="en-US" dirty="0" smtClean="0">
+                <a:solidFill>
+                  <a:srgbClr val="FFFFFF"/>
+                </a:solidFill>
+              </a:rPr>
+              <a:t>at </a:t>
+            </a:r>
+            <a:r>
+              <a:rPr lang="en-US" dirty="0" smtClean="0">
+                <a:solidFill>
+                  <a:srgbClr val="FFFF00"/>
+                </a:solidFill>
+              </a:rPr>
+              <a:t>100 AU </a:t>
+            </a:r>
+            <a:r>
+              <a:rPr lang="en-US" dirty="0" smtClean="0">
+                <a:solidFill>
+                  <a:srgbClr val="FFFFFF"/>
+                </a:solidFill>
+              </a:rPr>
+              <a:t>for a </a:t>
+            </a:r>
+            <a:r>
+              <a:rPr lang="en-US" dirty="0" smtClean="0">
+                <a:solidFill>
+                  <a:srgbClr val="FFFF00"/>
+                </a:solidFill>
+              </a:rPr>
+              <a:t>realistic EOS </a:t>
+            </a:r>
+            <a:r>
+              <a:rPr lang="en-US" dirty="0" smtClean="0"/>
+              <a:t>with H</a:t>
+            </a:r>
+            <a:r>
+              <a:rPr lang="en-US" baseline="-25000" dirty="0" smtClean="0"/>
+              <a:t>2</a:t>
+            </a:r>
+            <a:r>
+              <a:rPr lang="en-US" dirty="0" smtClean="0"/>
+              <a:t> spin isomers in thermal equilibrium </a:t>
+            </a:r>
+            <a:r>
+              <a:rPr lang="en-US" dirty="0" smtClean="0">
+                <a:solidFill>
+                  <a:srgbClr val="FFFF00"/>
+                </a:solidFill>
+              </a:rPr>
+              <a:t> </a:t>
+            </a:r>
+            <a:r>
+              <a:rPr lang="en-US" dirty="0" smtClean="0">
+                <a:solidFill>
+                  <a:srgbClr val="FFFFFF"/>
+                </a:solidFill>
+              </a:rPr>
+              <a:t>and grain growth opacity with </a:t>
+            </a:r>
+            <a:r>
+              <a:rPr lang="en-US" dirty="0" smtClean="0">
+                <a:solidFill>
+                  <a:srgbClr val="FFFFFF"/>
+                </a:solidFill>
+              </a:rPr>
+              <a:t>standard collisional cascade (</a:t>
+            </a:r>
+            <a:r>
+              <a:rPr lang="en-US" i="1" dirty="0" smtClean="0">
+                <a:solidFill>
+                  <a:srgbClr val="FFFF00"/>
+                </a:solidFill>
+              </a:rPr>
+              <a:t>p=3.5</a:t>
+            </a:r>
+            <a:r>
+              <a:rPr lang="en-US" dirty="0" smtClean="0">
+                <a:solidFill>
+                  <a:srgbClr val="FFFFFF"/>
+                </a:solidFill>
+              </a:rPr>
+              <a:t>) </a:t>
+            </a:r>
+            <a:r>
+              <a:rPr lang="en-US" dirty="0" smtClean="0">
+                <a:solidFill>
+                  <a:srgbClr val="FFFFFF"/>
+                </a:solidFill>
+              </a:rPr>
+              <a:t>and</a:t>
+            </a:r>
+            <a:r>
+              <a:rPr lang="en-US" dirty="0" smtClean="0">
+                <a:solidFill>
+                  <a:srgbClr val="FFFFFF"/>
+                </a:solidFill>
+              </a:rPr>
+              <a:t> </a:t>
+            </a:r>
+            <a:r>
+              <a:rPr lang="en-US" dirty="0" err="1" smtClean="0">
+                <a:solidFill>
+                  <a:srgbClr val="FFFF00"/>
+                </a:solidFill>
+              </a:rPr>
+              <a:t>s</a:t>
+            </a:r>
+            <a:r>
+              <a:rPr lang="en-US" baseline="-25000" dirty="0" err="1" smtClean="0">
+                <a:solidFill>
+                  <a:srgbClr val="FFFF00"/>
+                </a:solidFill>
+              </a:rPr>
+              <a:t>max</a:t>
+            </a:r>
+            <a:r>
+              <a:rPr lang="en-US" dirty="0" smtClean="0">
+                <a:solidFill>
+                  <a:srgbClr val="FFFF00"/>
+                </a:solidFill>
+              </a:rPr>
+              <a:t>=1 cm</a:t>
+            </a:r>
+          </a:p>
+          <a:p>
+            <a:endParaRPr lang="en-US" dirty="0" smtClean="0">
+              <a:solidFill>
+                <a:srgbClr val="FFFFFF"/>
+              </a:solidFill>
+            </a:endParaRPr>
+          </a:p>
+          <a:p>
+            <a:r>
+              <a:rPr lang="en-US" dirty="0" err="1" smtClean="0">
+                <a:solidFill>
+                  <a:srgbClr val="FFFFFF"/>
+                </a:solidFill>
+              </a:rPr>
+              <a:t>M</a:t>
+            </a:r>
+            <a:r>
+              <a:rPr lang="en-US" baseline="-25000" dirty="0" err="1" smtClean="0">
+                <a:solidFill>
+                  <a:srgbClr val="FFFFFF"/>
+                </a:solidFill>
+              </a:rPr>
+              <a:t>crit</a:t>
+            </a:r>
+            <a:r>
+              <a:rPr lang="en-US" dirty="0" smtClean="0">
+                <a:solidFill>
+                  <a:srgbClr val="FFFFFF"/>
+                </a:solidFill>
+              </a:rPr>
+              <a:t> </a:t>
+            </a:r>
+            <a:r>
+              <a:rPr lang="en-US" dirty="0" smtClean="0">
+                <a:solidFill>
+                  <a:srgbClr val="FFFF00"/>
+                </a:solidFill>
+              </a:rPr>
+              <a:t>may decrease by up to one order of magnitude </a:t>
+            </a:r>
+            <a:r>
+              <a:rPr lang="en-US" dirty="0" smtClean="0">
+                <a:solidFill>
+                  <a:srgbClr val="FFFFFF"/>
+                </a:solidFill>
+              </a:rPr>
+              <a:t>if coagulation is taken into account (</a:t>
+            </a:r>
+            <a:r>
+              <a:rPr lang="en-US" i="1" dirty="0" smtClean="0">
+                <a:solidFill>
+                  <a:srgbClr val="FFFF00"/>
+                </a:solidFill>
+              </a:rPr>
+              <a:t>p=2.5</a:t>
+            </a:r>
+            <a:r>
+              <a:rPr lang="en-US" dirty="0" smtClean="0">
+                <a:solidFill>
+                  <a:srgbClr val="FFFFFF"/>
+                </a:solidFill>
+              </a:rPr>
+              <a:t>)</a:t>
+            </a:r>
+          </a:p>
+          <a:p>
+            <a:endParaRPr lang="en-US" dirty="0" smtClean="0">
+              <a:solidFill>
+                <a:srgbClr val="FFFF00"/>
+              </a:solidFill>
+            </a:endParaRPr>
+          </a:p>
+          <a:p>
+            <a:pPr marL="0" indent="0">
+              <a:buNone/>
+            </a:pPr>
+            <a:endParaRPr lang="en-US" baseline="-25000" dirty="0" smtClean="0"/>
+          </a:p>
+          <a:p>
+            <a:pPr marL="0" indent="0">
+              <a:buNone/>
+            </a:pPr>
+            <a:endParaRPr lang="en-US" dirty="0"/>
+          </a:p>
+          <a:p>
+            <a:endParaRPr lang="en-US" dirty="0">
+              <a:solidFill>
+                <a:srgbClr val="FFFF00"/>
+              </a:solidFill>
+            </a:endParaRPr>
+          </a:p>
+          <a:p>
+            <a:endParaRPr lang="en-US" dirty="0"/>
+          </a:p>
+        </p:txBody>
+      </p:sp>
+    </p:spTree>
+    <p:extLst>
+      <p:ext uri="{BB962C8B-B14F-4D97-AF65-F5344CB8AC3E}">
+        <p14:creationId xmlns:p14="http://schemas.microsoft.com/office/powerpoint/2010/main" val="1002547493"/>
+      </p:ext>
+    </p:extLst>
+  </p:cSld>
+  <p:clrMapOvr>
+    <a:masterClrMapping/>
+  </p:clrMapOvr>
+  <p:timing>
+    <p:tnLst>
+      <p:par>
+        <p:cTn xmlns:p14="http://schemas.microsoft.com/office/powerpoint/2010/main" id="1" dur="indefinite" restart="never" nodeType="tmRoot"/>
+      </p:par>
+    </p:tnLst>
+  </p:timing>
+</p:sld>
+</file>
+
+<file path=ppt/slides/slide23.xml><?xml version="1.0" encoding="utf-8"?>
 <p:sld xmlns:a="http://schemas.openxmlformats.org/drawingml/2006/main" xmlns:r="http://schemas.openxmlformats.org/officeDocument/2006/relationships" xmlns:p="http://schemas.openxmlformats.org/presentationml/2006/main">
   <p:cSld>
     <p:spTree>
@@ -10487,503 +11894,6 @@
     <p:extLst>
       <p:ext uri="{BB962C8B-B14F-4D97-AF65-F5344CB8AC3E}">
         <p14:creationId xmlns:p14="http://schemas.microsoft.com/office/powerpoint/2010/main" val="3702745356"/>
-      </p:ext>
-    </p:extLst>
-  </p:cSld>
-  <p:clrMapOvr>
-    <a:masterClrMapping/>
-  </p:clrMapOvr>
-  <p:timing>
-    <p:tnLst>
-      <p:par>
-        <p:cTn xmlns:p14="http://schemas.microsoft.com/office/powerpoint/2010/main" id="1" dur="indefinite" restart="never" nodeType="tmRoot"/>
-      </p:par>
-    </p:tnLst>
-  </p:timing>
-</p:sld>
-</file>
-
-<file path=ppt/slides/slide22.xml><?xml version="1.0" encoding="utf-8"?>
-<p:sld xmlns:a="http://schemas.openxmlformats.org/drawingml/2006/main" xmlns:r="http://schemas.openxmlformats.org/officeDocument/2006/relationships" xmlns:p="http://schemas.openxmlformats.org/presentationml/2006/main">
-  <p:cSld>
-    <p:spTree>
-      <p:nvGrpSpPr>
-        <p:cNvPr id="1" name=""/>
-        <p:cNvGrpSpPr/>
-        <p:nvPr/>
-      </p:nvGrpSpPr>
-      <p:grpSpPr>
-        <a:xfrm>
-          <a:off x="0" y="0"/>
-          <a:ext cx="0" cy="0"/>
-          <a:chOff x="0" y="0"/>
-          <a:chExt cx="0" cy="0"/>
-        </a:xfrm>
-      </p:grpSpPr>
-      <p:sp>
-        <p:nvSpPr>
-          <p:cNvPr id="2" name="Title 1"/>
-          <p:cNvSpPr>
-            <a:spLocks noGrp="1"/>
-          </p:cNvSpPr>
-          <p:nvPr>
-            <p:ph type="title"/>
-          </p:nvPr>
-        </p:nvSpPr>
-        <p:spPr/>
-        <p:txBody>
-          <a:bodyPr/>
-          <a:lstStyle/>
-          <a:p>
-            <a:r>
-              <a:rPr lang="en-US" dirty="0" smtClean="0"/>
-              <a:t>Summary</a:t>
-            </a:r>
-            <a:endParaRPr lang="en-US" dirty="0"/>
-          </a:p>
-        </p:txBody>
-      </p:sp>
-      <p:sp>
-        <p:nvSpPr>
-          <p:cNvPr id="3" name="Content Placeholder 2"/>
-          <p:cNvSpPr>
-            <a:spLocks noGrp="1"/>
-          </p:cNvSpPr>
-          <p:nvPr>
-            <p:ph idx="1"/>
-          </p:nvPr>
-        </p:nvSpPr>
-        <p:spPr/>
-        <p:txBody>
-          <a:bodyPr>
-            <a:normAutofit fontScale="77500" lnSpcReduction="20000"/>
-          </a:bodyPr>
-          <a:lstStyle/>
-          <a:p>
-            <a:r>
-              <a:rPr lang="en-US" dirty="0" smtClean="0"/>
-              <a:t>H</a:t>
-            </a:r>
-            <a:r>
-              <a:rPr lang="en-US" baseline="-25000" dirty="0" smtClean="0"/>
-              <a:t>2</a:t>
-            </a:r>
-            <a:r>
-              <a:rPr lang="en-US" dirty="0" smtClean="0"/>
-              <a:t> dissociation and </a:t>
-            </a:r>
-            <a:r>
-              <a:rPr lang="en-US" dirty="0" smtClean="0">
-                <a:solidFill>
-                  <a:srgbClr val="FFFFFF"/>
-                </a:solidFill>
-              </a:rPr>
-              <a:t>variable occupation of H</a:t>
-            </a:r>
-            <a:r>
-              <a:rPr lang="en-US" baseline="-25000" dirty="0" smtClean="0">
-                <a:solidFill>
-                  <a:srgbClr val="FFFFFF"/>
-                </a:solidFill>
-              </a:rPr>
-              <a:t>2 </a:t>
-            </a:r>
-            <a:r>
-              <a:rPr lang="en-US" dirty="0" smtClean="0">
-                <a:solidFill>
-                  <a:srgbClr val="FFFFFF"/>
-                </a:solidFill>
-              </a:rPr>
-              <a:t>rotational states </a:t>
-            </a:r>
-            <a:r>
-              <a:rPr lang="en-US" dirty="0" smtClean="0">
-                <a:solidFill>
-                  <a:srgbClr val="FFFF00"/>
-                </a:solidFill>
-              </a:rPr>
-              <a:t>INCREASE</a:t>
-            </a:r>
-            <a:r>
-              <a:rPr lang="en-US" dirty="0" smtClean="0"/>
-              <a:t> </a:t>
-            </a:r>
-            <a:r>
-              <a:rPr lang="en-US" dirty="0" err="1" smtClean="0"/>
-              <a:t>M</a:t>
-            </a:r>
-            <a:r>
-              <a:rPr lang="en-US" baseline="-25000" dirty="0" err="1" smtClean="0"/>
-              <a:t>crit</a:t>
-            </a:r>
-            <a:endParaRPr lang="en-US" baseline="-25000" dirty="0" smtClean="0"/>
-          </a:p>
-          <a:p>
-            <a:endParaRPr lang="en-US" dirty="0" smtClean="0"/>
-          </a:p>
-          <a:p>
-            <a:r>
-              <a:rPr lang="en-US" dirty="0" smtClean="0"/>
-              <a:t>Grain growth opacity </a:t>
-            </a:r>
-            <a:r>
-              <a:rPr lang="en-US" dirty="0" smtClean="0">
-                <a:solidFill>
-                  <a:srgbClr val="FFFF00"/>
-                </a:solidFill>
-              </a:rPr>
-              <a:t>DECREASES</a:t>
-            </a:r>
-            <a:r>
-              <a:rPr lang="en-US" dirty="0" smtClean="0"/>
-              <a:t> </a:t>
-            </a:r>
-            <a:r>
-              <a:rPr lang="en-US" dirty="0" err="1" smtClean="0"/>
-              <a:t>M</a:t>
-            </a:r>
-            <a:r>
-              <a:rPr lang="en-US" baseline="-25000" dirty="0" err="1" smtClean="0"/>
-              <a:t>crit</a:t>
-            </a:r>
-            <a:endParaRPr lang="en-US" baseline="-25000" dirty="0" smtClean="0"/>
-          </a:p>
-          <a:p>
-            <a:endParaRPr lang="en-US" dirty="0" smtClean="0"/>
-          </a:p>
-          <a:p>
-            <a:r>
-              <a:rPr lang="en-US" dirty="0" err="1" smtClean="0">
-                <a:solidFill>
-                  <a:srgbClr val="FFFFFF"/>
-                </a:solidFill>
-              </a:rPr>
-              <a:t>M</a:t>
-            </a:r>
-            <a:r>
-              <a:rPr lang="en-US" baseline="-25000" dirty="0" err="1" smtClean="0">
-                <a:solidFill>
-                  <a:srgbClr val="FFFFFF"/>
-                </a:solidFill>
-              </a:rPr>
-              <a:t>crit</a:t>
-            </a:r>
-            <a:r>
-              <a:rPr lang="en-US" dirty="0" smtClean="0">
-                <a:solidFill>
-                  <a:srgbClr val="FFFFFF"/>
-                </a:solidFill>
-              </a:rPr>
-              <a:t> ~</a:t>
-            </a:r>
-            <a:r>
-              <a:rPr lang="en-US" dirty="0" smtClean="0">
-                <a:solidFill>
-                  <a:srgbClr val="FFFF00"/>
-                </a:solidFill>
-              </a:rPr>
-              <a:t> 8 M</a:t>
-            </a:r>
-            <a:r>
-              <a:rPr lang="en-US" baseline="-25000" dirty="0" smtClean="0">
-                <a:solidFill>
-                  <a:srgbClr val="FFFF00"/>
-                </a:solidFill>
-              </a:rPr>
-              <a:t>E</a:t>
-            </a:r>
-            <a:r>
-              <a:rPr lang="en-US" dirty="0" smtClean="0">
-                <a:solidFill>
-                  <a:srgbClr val="FFFF00"/>
-                </a:solidFill>
-              </a:rPr>
-              <a:t> </a:t>
-            </a:r>
-            <a:r>
-              <a:rPr lang="en-US" dirty="0" smtClean="0">
-                <a:solidFill>
-                  <a:srgbClr val="FFFFFF"/>
-                </a:solidFill>
-              </a:rPr>
-              <a:t>at </a:t>
-            </a:r>
-            <a:r>
-              <a:rPr lang="en-US" dirty="0" smtClean="0">
-                <a:solidFill>
-                  <a:srgbClr val="FFFF00"/>
-                </a:solidFill>
-              </a:rPr>
-              <a:t>5 AU </a:t>
-            </a:r>
-            <a:r>
-              <a:rPr lang="en-US" dirty="0" smtClean="0">
-                <a:solidFill>
-                  <a:srgbClr val="FFFFFF"/>
-                </a:solidFill>
-              </a:rPr>
-              <a:t>and ~ </a:t>
-            </a:r>
-            <a:r>
-              <a:rPr lang="en-US" dirty="0" smtClean="0">
-                <a:solidFill>
-                  <a:srgbClr val="FFFF00"/>
-                </a:solidFill>
-              </a:rPr>
-              <a:t>5 M</a:t>
-            </a:r>
-            <a:r>
-              <a:rPr lang="en-US" baseline="-25000" dirty="0" smtClean="0">
-                <a:solidFill>
-                  <a:srgbClr val="FFFF00"/>
-                </a:solidFill>
-              </a:rPr>
-              <a:t>E</a:t>
-            </a:r>
-            <a:r>
-              <a:rPr lang="en-US" dirty="0" smtClean="0">
-                <a:solidFill>
-                  <a:srgbClr val="FFFF00"/>
-                </a:solidFill>
-              </a:rPr>
-              <a:t> </a:t>
-            </a:r>
-            <a:r>
-              <a:rPr lang="en-US" dirty="0" smtClean="0">
-                <a:solidFill>
-                  <a:srgbClr val="FFFFFF"/>
-                </a:solidFill>
-              </a:rPr>
-              <a:t>at </a:t>
-            </a:r>
-            <a:r>
-              <a:rPr lang="en-US" dirty="0" smtClean="0">
-                <a:solidFill>
-                  <a:srgbClr val="FFFF00"/>
-                </a:solidFill>
-              </a:rPr>
-              <a:t>100 AU </a:t>
-            </a:r>
-            <a:r>
-              <a:rPr lang="en-US" dirty="0" smtClean="0">
-                <a:solidFill>
-                  <a:srgbClr val="FFFFFF"/>
-                </a:solidFill>
-              </a:rPr>
-              <a:t>for a </a:t>
-            </a:r>
-            <a:r>
-              <a:rPr lang="en-US" dirty="0" smtClean="0">
-                <a:solidFill>
-                  <a:srgbClr val="FFFF00"/>
-                </a:solidFill>
-              </a:rPr>
-              <a:t>realistic EOS </a:t>
-            </a:r>
-            <a:r>
-              <a:rPr lang="en-US" dirty="0" smtClean="0">
-                <a:solidFill>
-                  <a:srgbClr val="FFFFFF"/>
-                </a:solidFill>
-              </a:rPr>
-              <a:t>and standard collisional cascade (</a:t>
-            </a:r>
-            <a:r>
-              <a:rPr lang="en-US" i="1" dirty="0" smtClean="0">
-                <a:solidFill>
-                  <a:srgbClr val="FFFF00"/>
-                </a:solidFill>
-              </a:rPr>
-              <a:t>p=3.5</a:t>
-            </a:r>
-            <a:r>
-              <a:rPr lang="en-US" dirty="0" smtClean="0">
-                <a:solidFill>
-                  <a:srgbClr val="FFFFFF"/>
-                </a:solidFill>
-              </a:rPr>
-              <a:t>) with </a:t>
-            </a:r>
-            <a:r>
-              <a:rPr lang="en-US" dirty="0" err="1" smtClean="0">
-                <a:solidFill>
-                  <a:srgbClr val="FFFF00"/>
-                </a:solidFill>
-              </a:rPr>
-              <a:t>s</a:t>
-            </a:r>
-            <a:r>
-              <a:rPr lang="en-US" baseline="-25000" dirty="0" err="1" smtClean="0">
-                <a:solidFill>
-                  <a:srgbClr val="FFFF00"/>
-                </a:solidFill>
-              </a:rPr>
-              <a:t>max</a:t>
-            </a:r>
-            <a:r>
-              <a:rPr lang="en-US" dirty="0" smtClean="0">
-                <a:solidFill>
-                  <a:srgbClr val="FFFF00"/>
-                </a:solidFill>
-              </a:rPr>
-              <a:t>=1 cm</a:t>
-            </a:r>
-          </a:p>
-          <a:p>
-            <a:endParaRPr lang="en-US" dirty="0" smtClean="0">
-              <a:solidFill>
-                <a:srgbClr val="FFFFFF"/>
-              </a:solidFill>
-            </a:endParaRPr>
-          </a:p>
-          <a:p>
-            <a:r>
-              <a:rPr lang="en-US" dirty="0" err="1" smtClean="0">
-                <a:solidFill>
-                  <a:srgbClr val="FFFFFF"/>
-                </a:solidFill>
-              </a:rPr>
-              <a:t>M</a:t>
-            </a:r>
-            <a:r>
-              <a:rPr lang="en-US" baseline="-25000" dirty="0" err="1" smtClean="0">
-                <a:solidFill>
-                  <a:srgbClr val="FFFFFF"/>
-                </a:solidFill>
-              </a:rPr>
-              <a:t>crit</a:t>
-            </a:r>
-            <a:r>
-              <a:rPr lang="en-US" dirty="0" smtClean="0">
-                <a:solidFill>
-                  <a:srgbClr val="FFFFFF"/>
-                </a:solidFill>
-              </a:rPr>
-              <a:t> </a:t>
-            </a:r>
-            <a:r>
-              <a:rPr lang="en-US" dirty="0" smtClean="0">
-                <a:solidFill>
-                  <a:srgbClr val="FFFF00"/>
-                </a:solidFill>
-              </a:rPr>
-              <a:t>may decrease by up to one order of magnitude </a:t>
-            </a:r>
-            <a:r>
-              <a:rPr lang="en-US" dirty="0" smtClean="0">
-                <a:solidFill>
-                  <a:srgbClr val="FFFFFF"/>
-                </a:solidFill>
-              </a:rPr>
-              <a:t>if coagulation is taken into account (</a:t>
-            </a:r>
-            <a:r>
-              <a:rPr lang="en-US" i="1" dirty="0" smtClean="0">
-                <a:solidFill>
-                  <a:srgbClr val="FFFF00"/>
-                </a:solidFill>
-              </a:rPr>
-              <a:t>p=2.5</a:t>
-            </a:r>
-            <a:r>
-              <a:rPr lang="en-US" dirty="0" smtClean="0">
-                <a:solidFill>
-                  <a:srgbClr val="FFFFFF"/>
-                </a:solidFill>
-              </a:rPr>
-              <a:t>)</a:t>
-            </a:r>
-          </a:p>
-          <a:p>
-            <a:endParaRPr lang="en-US" dirty="0" smtClean="0">
-              <a:solidFill>
-                <a:srgbClr val="FFFF00"/>
-              </a:solidFill>
-            </a:endParaRPr>
-          </a:p>
-          <a:p>
-            <a:r>
-              <a:rPr lang="en-US" dirty="0" err="1"/>
-              <a:t>M</a:t>
-            </a:r>
-            <a:r>
-              <a:rPr lang="en-US" baseline="-25000" dirty="0" err="1"/>
-              <a:t>crit</a:t>
-            </a:r>
-            <a:r>
-              <a:rPr lang="en-US" dirty="0"/>
-              <a:t> </a:t>
-            </a:r>
-            <a:r>
-              <a:rPr lang="en-US" dirty="0">
-                <a:solidFill>
-                  <a:srgbClr val="FFFF00"/>
-                </a:solidFill>
-              </a:rPr>
-              <a:t>smaller</a:t>
-            </a:r>
-            <a:r>
-              <a:rPr lang="en-US" dirty="0"/>
-              <a:t> than </a:t>
-            </a:r>
-            <a:r>
-              <a:rPr lang="en-US" dirty="0" err="1"/>
-              <a:t>M</a:t>
-            </a:r>
-            <a:r>
-              <a:rPr lang="en-US" baseline="-25000" dirty="0" err="1"/>
-              <a:t>crit</a:t>
-            </a:r>
-            <a:r>
-              <a:rPr lang="en-US" dirty="0"/>
-              <a:t> in </a:t>
-            </a:r>
-            <a:r>
-              <a:rPr lang="en-US" dirty="0" err="1" smtClean="0">
-                <a:solidFill>
-                  <a:srgbClr val="FFFF00"/>
-                </a:solidFill>
-              </a:rPr>
-              <a:t>planetesimal</a:t>
-            </a:r>
-            <a:r>
-              <a:rPr lang="en-US" dirty="0" smtClean="0">
-                <a:solidFill>
-                  <a:srgbClr val="FFFF00"/>
-                </a:solidFill>
-              </a:rPr>
-              <a:t> accretion</a:t>
-            </a:r>
-            <a:r>
-              <a:rPr lang="en-US" dirty="0" smtClean="0"/>
-              <a:t> studies</a:t>
-            </a:r>
-          </a:p>
-          <a:p>
-            <a:endParaRPr lang="en-US" baseline="-25000" dirty="0" smtClean="0"/>
-          </a:p>
-          <a:p>
-            <a:pPr marL="0" indent="0">
-              <a:buNone/>
-            </a:pPr>
-            <a:endParaRPr lang="en-US" dirty="0"/>
-          </a:p>
-          <a:p>
-            <a:endParaRPr lang="en-US" dirty="0">
-              <a:solidFill>
-                <a:srgbClr val="FFFF00"/>
-              </a:solidFill>
-            </a:endParaRPr>
-          </a:p>
-          <a:p>
-            <a:endParaRPr lang="en-US" dirty="0"/>
-          </a:p>
-        </p:txBody>
-      </p:sp>
-    </p:spTree>
-    <p:extLst>
-      <p:ext uri="{BB962C8B-B14F-4D97-AF65-F5344CB8AC3E}">
-        <p14:creationId xmlns:p14="http://schemas.microsoft.com/office/powerpoint/2010/main" val="1002547493"/>
       </p:ext>
     </p:extLst>
   </p:cSld>
@@ -12745,7 +13655,7 @@
             </a:pPr>
             <a:r>
               <a:rPr lang="en-US" sz="3000" dirty="0" smtClean="0"/>
-              <a:t>Luminosity </a:t>
+              <a:t>Atmospheric </a:t>
             </a:r>
             <a:r>
               <a:rPr lang="en-US" sz="3000" dirty="0"/>
@@ -13333,12 +14243,30 @@
             <a:endParaRPr lang="en-US" sz="2800" baseline="-25000" dirty="0" smtClean="0"/>
           </a:p>
           <a:p>
+            <a:pPr>
+              <a:buFont typeface="Symbol" charset="0"/>
+              <a:buChar char=""/>
+            </a:pPr>
+            <a:r>
+              <a:rPr lang="en-US" sz="2800" dirty="0" smtClean="0">
+                <a:solidFill>
+                  <a:srgbClr val="FFFF00"/>
+                </a:solidFill>
+              </a:rPr>
+              <a:t>“critical core mass”</a:t>
+            </a:r>
+          </a:p>
+          <a:p>
             <a:pPr marL="0" indent="0">
               <a:buNone/>
             </a:pPr>
             <a:r>
+              <a:rPr lang="en-US" sz="2800" dirty="0"/>
+              <a:t> </a:t>
+            </a:r>
+            <a:r>
               <a:rPr lang="en-US" sz="2800" dirty="0" smtClean="0"/>
-              <a:t>=&gt; </a:t>
+              <a:t>   </a:t>
             </a:r>
             <a:r>
               <a:rPr lang="en-US" sz="2800" dirty="0" err="1" smtClean="0"/>
@@ -13350,7 +14278,11 @@
             </a:r>
             <a:r>
               <a:rPr lang="en-US" sz="2800" dirty="0" smtClean="0"/>
-              <a:t> = </a:t>
+              <a:t> </a:t>
+            </a:r>
+            <a:r>
+              <a:rPr lang="en-US" sz="2800" dirty="0" smtClean="0"/>
+              <a:t>= </a:t>
             </a:r>
             <a:r>
               <a:rPr lang="en-US" sz="2800" dirty="0" err="1" smtClean="0"/>
@@ -13362,7 +14294,20 @@
             </a:r>
             <a:r>
               <a:rPr lang="en-US" sz="2800" dirty="0" smtClean="0"/>
-              <a:t> for which  </a:t>
+              <a:t> for </a:t>
+            </a:r>
+            <a:r>
+              <a:rPr lang="en-US" sz="2800" dirty="0" smtClean="0"/>
+              <a:t>which</a:t>
+            </a:r>
+          </a:p>
+          <a:p>
+            <a:pPr marL="0" indent="0">
+              <a:buNone/>
+            </a:pPr>
+            <a:r>
+              <a:rPr lang="en-US" sz="2800" dirty="0" smtClean="0"/>
+              <a:t>    </a:t>
             </a:r>
             <a:r>
               <a:rPr lang="en-US" sz="2800" dirty="0" err="1" smtClean="0"/>
@@ -14449,7 +15394,7 @@
         </p:spPr>
         <p:txBody>
           <a:bodyPr>
-            <a:normAutofit fontScale="92500" lnSpcReduction="10000"/>
+            <a:normAutofit fontScale="92500" lnSpcReduction="20000"/>
           </a:bodyPr>
           <a:lstStyle/>
           <a:p>
@@ -14698,13 +15643,31 @@
               </a:rPr>
               <a:t>, </a:t>
             </a:r>
+            <a:endParaRPr lang="en-US" sz="2800" dirty="0" smtClean="0">
+              <a:solidFill>
+                <a:srgbClr val="FFFFFF"/>
+              </a:solidFill>
+            </a:endParaRPr>
+          </a:p>
+          <a:p>
+            <a:pPr marL="0" indent="0">
+              <a:buNone/>
+            </a:pPr>
             <a:r>
               <a:rPr lang="en-US" sz="2800" i="1" dirty="0" smtClean="0">
                 <a:solidFill>
                   <a:srgbClr val="FFFF00"/>
                 </a:solidFill>
               </a:rPr>
-              <a:t>L ~ -</a:t>
+              <a:t>        L </a:t>
+            </a:r>
+            <a:r>
+              <a:rPr lang="en-US" sz="2800" i="1" dirty="0" smtClean="0">
+                <a:solidFill>
+                  <a:srgbClr val="FFFF00"/>
+                </a:solidFill>
+              </a:rPr>
+              <a:t>~ -</a:t>
             </a:r>
             <a:r>
               <a:rPr lang="en-US" sz="2800" i="1" dirty="0" err="1" smtClean="0">

--- a/slides/SPF1_talk.pptx
+++ b/slides/SPF1_talk.pptx
@@ -5,10 +5,10 @@
     <p:sldMasterId id="2147483648" r:id="rId1"/>
   </p:sldMasterIdLst>
   <p:notesMasterIdLst>
-    <p:notesMasterId r:id="rId25"/>
+    <p:notesMasterId r:id="rId24"/>
   </p:notesMasterIdLst>
   <p:handoutMasterIdLst>
-    <p:handoutMasterId r:id="rId26"/>
+    <p:handoutMasterId r:id="rId25"/>
   </p:handoutMasterIdLst>
   <p:sldIdLst>
     <p:sldId id="256" r:id="rId2"/>
@@ -33,7 +33,6 @@
     <p:sldId id="299" r:id="rId21"/>
     <p:sldId id="300" r:id="rId22"/>
     <p:sldId id="301" r:id="rId23"/>
-    <p:sldId id="283" r:id="rId24"/>
   </p:sldIdLst>
   <p:sldSz cx="9144000" cy="6858000" type="screen4x3"/>
   <p:notesSz cx="6858000" cy="9144000"/>
@@ -163,7 +162,6 @@
             <p14:sldId id="299"/>
             <p14:sldId id="300"/>
             <p14:sldId id="301"/>
-            <p14:sldId id="283"/>
           </p14:sldIdLst>
         </p14:section>
       </p14:sectionLst>
@@ -794,114 +792,6 @@
     <p:extLst>
       <p:ext uri="{BB962C8B-B14F-4D97-AF65-F5344CB8AC3E}">
         <p14:creationId xmlns:p14="http://schemas.microsoft.com/office/powerpoint/2010/main" val="3550243095"/>
-      </p:ext>
-    </p:extLst>
-  </p:cSld>
-  <p:clrMapOvr>
-    <a:masterClrMapping/>
-  </p:clrMapOvr>
-</p:notes>
-</file>
-
-<file path=ppt/notesSlides/notesSlide10.xml><?xml version="1.0" encoding="utf-8"?>
-<p:notes xmlns:a="http://schemas.openxmlformats.org/drawingml/2006/main" xmlns:r="http://schemas.openxmlformats.org/officeDocument/2006/relationships" xmlns:p="http://schemas.openxmlformats.org/presentationml/2006/main">
-  <p:cSld>
-    <p:spTree>
-      <p:nvGrpSpPr>
-        <p:cNvPr id="1" name=""/>
-        <p:cNvGrpSpPr/>
-        <p:nvPr/>
-      </p:nvGrpSpPr>
-      <p:grpSpPr>
-        <a:xfrm>
-          <a:off x="0" y="0"/>
-          <a:ext cx="0" cy="0"/>
-          <a:chOff x="0" y="0"/>
-          <a:chExt cx="0" cy="0"/>
-        </a:xfrm>
-      </p:grpSpPr>
-      <p:sp>
-        <p:nvSpPr>
-          <p:cNvPr id="2" name="Slide Image Placeholder 1"/>
-          <p:cNvSpPr>
-            <a:spLocks noGrp="1" noRot="1" noChangeAspect="1"/>
-          </p:cNvSpPr>
-          <p:nvPr>
-            <p:ph type="sldImg"/>
-          </p:nvPr>
-        </p:nvSpPr>
-        <p:spPr/>
-      </p:sp>
-      <p:sp>
-        <p:nvSpPr>
-          <p:cNvPr id="3" name="Notes Placeholder 2"/>
-          <p:cNvSpPr>
-            <a:spLocks noGrp="1"/>
-          </p:cNvSpPr>
-          <p:nvPr>
-            <p:ph type="body" idx="1"/>
-          </p:nvPr>
-        </p:nvSpPr>
-        <p:spPr/>
-        <p:txBody>
-          <a:bodyPr/>
-          <a:lstStyle/>
-          <a:p>
-            <a:r>
-              <a:rPr lang="en-US" dirty="0" smtClean="0"/>
-              <a:t>Here I plotted my low opacity result</a:t>
-            </a:r>
-            <a:r>
-              <a:rPr lang="en-US" baseline="0" dirty="0" smtClean="0"/>
-              <a:t> for the diatomic gas, and the standard critical core mass results for an intermediate </a:t>
-            </a:r>
-            <a:r>
-              <a:rPr lang="en-US" baseline="0" dirty="0" err="1" smtClean="0"/>
-              <a:t>planetesimal</a:t>
-            </a:r>
-            <a:r>
-              <a:rPr lang="en-US" baseline="0" dirty="0" smtClean="0"/>
-              <a:t> accretion regime. You can see that our study yields lower core masses than in standard calculations. So what does this tells us? It tells us that, in order to accrete a massive atmosphere, you can either grow a large core fast, or you can build a smaller core then stop </a:t>
-            </a:r>
-            <a:r>
-              <a:rPr lang="en-US" baseline="0" dirty="0" err="1" smtClean="0"/>
-              <a:t>planetesimal</a:t>
-            </a:r>
-            <a:r>
-              <a:rPr lang="en-US" baseline="0" dirty="0" smtClean="0"/>
-              <a:t> accretion. Moreover, this result represents an absolute minimum – the core no longer grows in our regime, so this is the lowest you can get. </a:t>
-            </a:r>
-            <a:endParaRPr lang="en-US" dirty="0"/>
-          </a:p>
-        </p:txBody>
-      </p:sp>
-      <p:sp>
-        <p:nvSpPr>
-          <p:cNvPr id="4" name="Slide Number Placeholder 3"/>
-          <p:cNvSpPr>
-            <a:spLocks noGrp="1"/>
-          </p:cNvSpPr>
-          <p:nvPr>
-            <p:ph type="sldNum" sz="quarter" idx="10"/>
-          </p:nvPr>
-        </p:nvSpPr>
-        <p:spPr/>
-        <p:txBody>
-          <a:bodyPr/>
-          <a:lstStyle/>
-          <a:p>
-            <a:fld id="{08B4712D-D2CB-8747-9EC4-89869EAABFB2}" type="slidenum">
-              <a:rPr lang="en-US" smtClean="0"/>
-              <a:t>23</a:t>
-            </a:fld>
-            <a:endParaRPr lang="en-US"/>
-          </a:p>
-        </p:txBody>
-      </p:sp>
-    </p:spTree>
-    <p:extLst>
-      <p:ext uri="{BB962C8B-B14F-4D97-AF65-F5344CB8AC3E}">
-        <p14:creationId xmlns:p14="http://schemas.microsoft.com/office/powerpoint/2010/main" val="1235742766"/>
       </p:ext>
     </p:extLst>
   </p:cSld>
@@ -11655,245 +11545,6 @@
     <p:extLst>
       <p:ext uri="{BB962C8B-B14F-4D97-AF65-F5344CB8AC3E}">
         <p14:creationId xmlns:p14="http://schemas.microsoft.com/office/powerpoint/2010/main" val="1002547493"/>
-      </p:ext>
-    </p:extLst>
-  </p:cSld>
-  <p:clrMapOvr>
-    <a:masterClrMapping/>
-  </p:clrMapOvr>
-  <p:timing>
-    <p:tnLst>
-      <p:par>
-        <p:cTn xmlns:p14="http://schemas.microsoft.com/office/powerpoint/2010/main" id="1" dur="indefinite" restart="never" nodeType="tmRoot"/>
-      </p:par>
-    </p:tnLst>
-  </p:timing>
-</p:sld>
-</file>
-
-<file path=ppt/slides/slide23.xml><?xml version="1.0" encoding="utf-8"?>
-<p:sld xmlns:a="http://schemas.openxmlformats.org/drawingml/2006/main" xmlns:r="http://schemas.openxmlformats.org/officeDocument/2006/relationships" xmlns:p="http://schemas.openxmlformats.org/presentationml/2006/main">
-  <p:cSld>
-    <p:spTree>
-      <p:nvGrpSpPr>
-        <p:cNvPr id="1" name=""/>
-        <p:cNvGrpSpPr/>
-        <p:nvPr/>
-      </p:nvGrpSpPr>
-      <p:grpSpPr>
-        <a:xfrm>
-          <a:off x="0" y="0"/>
-          <a:ext cx="0" cy="0"/>
-          <a:chOff x="0" y="0"/>
-          <a:chExt cx="0" cy="0"/>
-        </a:xfrm>
-      </p:grpSpPr>
-      <p:pic>
-        <p:nvPicPr>
-          <p:cNvPr id="8" name="Picture 7" descr="Mc_vs_a_poly_comp.pdf"/>
-          <p:cNvPicPr>
-            <a:picLocks noChangeAspect="1"/>
-          </p:cNvPicPr>
-          <p:nvPr/>
-        </p:nvPicPr>
-        <p:blipFill>
-          <a:blip r:embed="rId3">
-            <a:extLst>
-              <a:ext uri="{28A0092B-C50C-407E-A947-70E740481C1C}">
-                <a14:useLocalDpi xmlns:a14="http://schemas.microsoft.com/office/drawing/2010/main" val="0"/>
-              </a:ext>
-            </a:extLst>
-          </a:blip>
-          <a:stretch>
-            <a:fillRect/>
-          </a:stretch>
-        </p:blipFill>
-        <p:spPr>
-          <a:xfrm>
-            <a:off x="1198593" y="1363598"/>
-            <a:ext cx="6800296" cy="5113005"/>
-          </a:xfrm>
-          <a:prstGeom prst="rect">
-            <a:avLst/>
-          </a:prstGeom>
-        </p:spPr>
-      </p:pic>
-      <p:sp>
-        <p:nvSpPr>
-          <p:cNvPr id="2" name="Title 1"/>
-          <p:cNvSpPr>
-            <a:spLocks noGrp="1"/>
-          </p:cNvSpPr>
-          <p:nvPr>
-            <p:ph type="title"/>
-          </p:nvPr>
-        </p:nvSpPr>
-        <p:spPr>
-          <a:xfrm>
-            <a:off x="457200" y="153048"/>
-            <a:ext cx="8229600" cy="1143000"/>
-          </a:xfrm>
-        </p:spPr>
-        <p:txBody>
-          <a:bodyPr/>
-          <a:lstStyle/>
-          <a:p>
-            <a:r>
-              <a:rPr lang="en-US" dirty="0" err="1" smtClean="0"/>
-              <a:t>M</a:t>
-            </a:r>
-            <a:r>
-              <a:rPr lang="en-US" baseline="-25000" dirty="0" err="1" smtClean="0"/>
-              <a:t>crit</a:t>
-            </a:r>
-            <a:r>
-              <a:rPr lang="en-US" baseline="-25000" dirty="0" smtClean="0"/>
-              <a:t>, KH </a:t>
-            </a:r>
-            <a:r>
-              <a:rPr lang="en-US" dirty="0" smtClean="0"/>
-              <a:t>&lt; </a:t>
-            </a:r>
-            <a:r>
-              <a:rPr lang="en-US" dirty="0" err="1" smtClean="0"/>
-              <a:t>M</a:t>
-            </a:r>
-            <a:r>
-              <a:rPr lang="en-US" baseline="-25000" dirty="0" err="1" smtClean="0"/>
-              <a:t>crit</a:t>
-            </a:r>
-            <a:r>
-              <a:rPr lang="en-US" baseline="-25000" dirty="0" smtClean="0"/>
-              <a:t>, </a:t>
-            </a:r>
-            <a:r>
-              <a:rPr lang="en-US" baseline="-25000" dirty="0" err="1" smtClean="0"/>
-              <a:t>acc</a:t>
-            </a:r>
-            <a:endParaRPr lang="en-US" baseline="-25000" dirty="0"/>
-          </a:p>
-        </p:txBody>
-      </p:sp>
-      <p:sp>
-        <p:nvSpPr>
-          <p:cNvPr id="9" name="TextBox 8"/>
-          <p:cNvSpPr txBox="1"/>
-          <p:nvPr/>
-        </p:nvSpPr>
-        <p:spPr>
-          <a:xfrm>
-            <a:off x="1320197" y="6015424"/>
-            <a:ext cx="3341317" cy="307777"/>
-          </a:xfrm>
-          <a:prstGeom prst="rect">
-            <a:avLst/>
-          </a:prstGeom>
-          <a:noFill/>
-        </p:spPr>
-        <p:txBody>
-          <a:bodyPr wrap="square" rtlCol="0">
-            <a:spAutoFit/>
-          </a:bodyPr>
-          <a:lstStyle/>
-          <a:p>
-            <a:r>
-              <a:rPr lang="en-US" sz="1400" dirty="0" err="1">
-                <a:solidFill>
-                  <a:srgbClr val="000000"/>
-                </a:solidFill>
-              </a:rPr>
-              <a:t>t_disk</a:t>
-            </a:r>
-            <a:r>
-              <a:rPr lang="en-US" sz="1400" dirty="0">
-                <a:solidFill>
-                  <a:srgbClr val="000000"/>
-                </a:solidFill>
-              </a:rPr>
-              <a:t> ~ 3 </a:t>
-            </a:r>
-            <a:r>
-              <a:rPr lang="en-US" sz="1400" dirty="0" err="1" smtClean="0">
-                <a:solidFill>
-                  <a:srgbClr val="000000"/>
-                </a:solidFill>
-              </a:rPr>
-              <a:t>Myr</a:t>
-            </a:r>
-            <a:r>
-              <a:rPr lang="en-US" sz="1400" dirty="0" smtClean="0">
-                <a:solidFill>
-                  <a:srgbClr val="000000"/>
-                </a:solidFill>
-              </a:rPr>
-              <a:t>, poly EOS, ISM opacity/100</a:t>
-            </a:r>
-            <a:endParaRPr lang="en-US" sz="1400" dirty="0">
-              <a:solidFill>
-                <a:srgbClr val="000000"/>
-              </a:solidFill>
-            </a:endParaRPr>
-          </a:p>
-        </p:txBody>
-      </p:sp>
-      <p:sp>
-        <p:nvSpPr>
-          <p:cNvPr id="10" name="TextBox 9"/>
-          <p:cNvSpPr txBox="1"/>
-          <p:nvPr/>
-        </p:nvSpPr>
-        <p:spPr>
-          <a:xfrm>
-            <a:off x="5243698" y="6115273"/>
-            <a:ext cx="2782215" cy="307777"/>
-          </a:xfrm>
-          <a:prstGeom prst="rect">
-            <a:avLst/>
-          </a:prstGeom>
-          <a:noFill/>
-        </p:spPr>
-        <p:txBody>
-          <a:bodyPr wrap="square" rtlCol="0">
-            <a:spAutoFit/>
-          </a:bodyPr>
-          <a:lstStyle/>
-          <a:p>
-            <a:r>
-              <a:rPr lang="en-US" sz="1400" dirty="0" smtClean="0">
-                <a:solidFill>
-                  <a:srgbClr val="000000"/>
-                </a:solidFill>
-              </a:rPr>
-              <a:t>Piso, </a:t>
-            </a:r>
-            <a:r>
-              <a:rPr lang="en-US" sz="1400" dirty="0" err="1" smtClean="0">
-                <a:solidFill>
-                  <a:srgbClr val="000000"/>
-                </a:solidFill>
-              </a:rPr>
-              <a:t>Youdin</a:t>
-            </a:r>
-            <a:r>
-              <a:rPr lang="en-US" sz="1400" dirty="0" smtClean="0">
-                <a:solidFill>
-                  <a:srgbClr val="000000"/>
-                </a:solidFill>
-              </a:rPr>
-              <a:t>, &amp; Murray-Clay (2015)</a:t>
-            </a:r>
-            <a:endParaRPr lang="en-US" sz="1400" dirty="0">
-              <a:solidFill>
-                <a:srgbClr val="000000"/>
-              </a:solidFill>
-            </a:endParaRPr>
-          </a:p>
-        </p:txBody>
-      </p:sp>
-    </p:spTree>
-    <p:extLst>
-      <p:ext uri="{BB962C8B-B14F-4D97-AF65-F5344CB8AC3E}">
-        <p14:creationId xmlns:p14="http://schemas.microsoft.com/office/powerpoint/2010/main" val="3702745356"/>
       </p:ext>
     </p:extLst>
   </p:cSld>

--- a/slides/SPF1_talk.pptx
+++ b/slides/SPF1_talk.pptx
@@ -258,7 +258,7 @@
           <a:p>
             <a:fld id="{7E37B48D-A559-6F41-A85D-9198382D8E74}" type="datetime1">
               <a:rPr lang="en-US" smtClean="0"/>
-              <a:t>3/16/15</a:t>
+              <a:t>3/18/15</a:t>
             </a:fld>
             <a:endParaRPr lang="en-US"/>
           </a:p>
@@ -424,7 +424,7 @@
           <a:p>
             <a:fld id="{A07269D8-8511-224D-9EC2-608B032B74D9}" type="datetime1">
               <a:rPr lang="en-US" smtClean="0"/>
-              <a:t>3/16/15</a:t>
+              <a:t>3/18/15</a:t>
             </a:fld>
             <a:endParaRPr lang="en-US"/>
           </a:p>
@@ -1971,7 +1971,7 @@
           <a:p>
             <a:fld id="{6BFECD78-3C8E-49F2-8FAB-59489D168ABB}" type="datetimeFigureOut">
               <a:rPr lang="en-US" smtClean="0"/>
-              <a:t>3/16/15</a:t>
+              <a:t>3/18/15</a:t>
             </a:fld>
             <a:endParaRPr lang="en-US"/>
           </a:p>
@@ -2141,7 +2141,7 @@
           <a:p>
             <a:fld id="{6BFECD78-3C8E-49F2-8FAB-59489D168ABB}" type="datetimeFigureOut">
               <a:rPr lang="en-US" smtClean="0"/>
-              <a:t>3/16/15</a:t>
+              <a:t>3/18/15</a:t>
             </a:fld>
             <a:endParaRPr lang="en-US"/>
           </a:p>
@@ -2321,7 +2321,7 @@
           <a:p>
             <a:fld id="{6BFECD78-3C8E-49F2-8FAB-59489D168ABB}" type="datetimeFigureOut">
               <a:rPr lang="en-US" smtClean="0"/>
-              <a:t>3/16/15</a:t>
+              <a:t>3/18/15</a:t>
             </a:fld>
             <a:endParaRPr lang="en-US"/>
           </a:p>
@@ -2491,7 +2491,7 @@
           <a:p>
             <a:fld id="{6BFECD78-3C8E-49F2-8FAB-59489D168ABB}" type="datetimeFigureOut">
               <a:rPr lang="en-US" smtClean="0"/>
-              <a:t>3/16/15</a:t>
+              <a:t>3/18/15</a:t>
             </a:fld>
             <a:endParaRPr lang="en-US"/>
           </a:p>
@@ -2737,7 +2737,7 @@
           <a:p>
             <a:fld id="{6BFECD78-3C8E-49F2-8FAB-59489D168ABB}" type="datetimeFigureOut">
               <a:rPr lang="en-US" smtClean="0"/>
-              <a:t>3/16/15</a:t>
+              <a:t>3/18/15</a:t>
             </a:fld>
             <a:endParaRPr lang="en-US"/>
           </a:p>
@@ -3025,7 +3025,7 @@
           <a:p>
             <a:fld id="{6BFECD78-3C8E-49F2-8FAB-59489D168ABB}" type="datetimeFigureOut">
               <a:rPr lang="en-US" smtClean="0"/>
-              <a:t>3/16/15</a:t>
+              <a:t>3/18/15</a:t>
             </a:fld>
             <a:endParaRPr lang="en-US"/>
           </a:p>
@@ -3447,7 +3447,7 @@
           <a:p>
             <a:fld id="{6BFECD78-3C8E-49F2-8FAB-59489D168ABB}" type="datetimeFigureOut">
               <a:rPr lang="en-US" smtClean="0"/>
-              <a:t>3/16/15</a:t>
+              <a:t>3/18/15</a:t>
             </a:fld>
             <a:endParaRPr lang="en-US"/>
           </a:p>
@@ -3565,7 +3565,7 @@
           <a:p>
             <a:fld id="{6BFECD78-3C8E-49F2-8FAB-59489D168ABB}" type="datetimeFigureOut">
               <a:rPr lang="en-US" smtClean="0"/>
-              <a:t>3/16/15</a:t>
+              <a:t>3/18/15</a:t>
             </a:fld>
             <a:endParaRPr lang="en-US"/>
           </a:p>
@@ -3660,7 +3660,7 @@
           <a:p>
             <a:fld id="{6BFECD78-3C8E-49F2-8FAB-59489D168ABB}" type="datetimeFigureOut">
               <a:rPr lang="en-US" smtClean="0"/>
-              <a:t>3/16/15</a:t>
+              <a:t>3/18/15</a:t>
             </a:fld>
             <a:endParaRPr lang="en-US"/>
           </a:p>
@@ -3937,7 +3937,7 @@
           <a:p>
             <a:fld id="{6BFECD78-3C8E-49F2-8FAB-59489D168ABB}" type="datetimeFigureOut">
               <a:rPr lang="en-US" smtClean="0"/>
-              <a:t>3/16/15</a:t>
+              <a:t>3/18/15</a:t>
             </a:fld>
             <a:endParaRPr lang="en-US"/>
           </a:p>
@@ -4194,7 +4194,7 @@
           <a:p>
             <a:fld id="{6BFECD78-3C8E-49F2-8FAB-59489D168ABB}" type="datetimeFigureOut">
               <a:rPr lang="en-US" smtClean="0"/>
-              <a:t>3/16/15</a:t>
+              <a:t>3/18/15</a:t>
             </a:fld>
             <a:endParaRPr lang="en-US"/>
           </a:p>
@@ -4407,7 +4407,7 @@
           <a:p>
             <a:fld id="{6BFECD78-3C8E-49F2-8FAB-59489D168ABB}" type="datetimeFigureOut">
               <a:rPr lang="en-US" smtClean="0"/>
-              <a:t>3/16/15</a:t>
+              <a:t>3/18/15</a:t>
             </a:fld>
             <a:endParaRPr lang="en-US"/>
           </a:p>
@@ -4918,11 +4918,7 @@
             </a:r>
             <a:r>
               <a:rPr lang="en-US" dirty="0" smtClean="0"/>
-              <a:t>University </a:t>
-            </a:r>
-            <a:r>
-              <a:rPr lang="en-US" dirty="0" smtClean="0"/>
-              <a:t>of California Santa Barbara</a:t>
+              <a:t>University of California Santa Barbara</a:t>
             </a:r>
             <a:endParaRPr lang="en-US" baseline="30000" dirty="0"/>
           </a:p>
@@ -9925,15 +9921,7 @@
                   <a:srgbClr val="FFFF00"/>
                 </a:solidFill>
               </a:rPr>
-              <a:t> </a:t>
-            </a:r>
-            <a:r>
-              <a:rPr lang="en-US" sz="2800" dirty="0" smtClean="0">
-                <a:solidFill>
-                  <a:srgbClr val="FFFF00"/>
-                </a:solidFill>
-              </a:rPr>
-              <a:t>= 1 cm</a:t>
+              <a:t> = 1 cm</a:t>
             </a:r>
             <a:endParaRPr lang="en-US" sz="2800" i="1" dirty="0">
               <a:solidFill>
@@ -10007,19 +9995,7 @@
             </a:r>
             <a:r>
               <a:rPr lang="en-US" dirty="0" smtClean="0"/>
-              <a:t> accretion rates </a:t>
-            </a:r>
-            <a:r>
-              <a:rPr lang="en-US" dirty="0" smtClean="0"/>
-              <a:t>yields </a:t>
-            </a:r>
-            <a:r>
-              <a:rPr lang="en-US" dirty="0" smtClean="0"/>
-              <a:t>steady </a:t>
-            </a:r>
-            <a:r>
-              <a:rPr lang="en-US" dirty="0" smtClean="0"/>
-              <a:t>state</a:t>
+              <a:t> accretion rates yields steady state</a:t>
             </a:r>
             <a:endParaRPr lang="en-US" dirty="0"/>
           </a:p>
@@ -10537,15 +10513,7 @@
                   <a:srgbClr val="FFFF00"/>
                 </a:solidFill>
               </a:rPr>
-              <a:t> </a:t>
-            </a:r>
-            <a:r>
-              <a:rPr lang="en-US" sz="2800" dirty="0" smtClean="0">
-                <a:solidFill>
-                  <a:srgbClr val="FFFF00"/>
-                </a:solidFill>
-              </a:rPr>
-              <a:t>= 1 cm</a:t>
+              <a:t> = 1 cm</a:t>
             </a:r>
             <a:endParaRPr lang="en-US" sz="2800" i="1" dirty="0">
               <a:solidFill>
@@ -11378,7 +11346,15 @@
                   <a:srgbClr val="FFFFFF"/>
                 </a:solidFill>
               </a:rPr>
-              <a:t>and grain growth opacity with </a:t>
+              <a:t>and grain growth opacity with standard collisional cascade (</a:t>
+            </a:r>
+            <a:r>
+              <a:rPr lang="en-US" i="1" dirty="0" smtClean="0">
+                <a:solidFill>
+                  <a:srgbClr val="FFFF00"/>
+                </a:solidFill>
+              </a:rPr>
+              <a:t>p=3.5</a:t>
             </a:r>
             <a:r>
               <a:rPr lang="en-US" dirty="0" smtClean="0">
@@ -11386,39 +11362,7 @@
                   <a:srgbClr val="FFFFFF"/>
                 </a:solidFill>
               </a:rPr>
-              <a:t>standard collisional cascade (</a:t>
-            </a:r>
-            <a:r>
-              <a:rPr lang="en-US" i="1" dirty="0" smtClean="0">
-                <a:solidFill>
-                  <a:srgbClr val="FFFF00"/>
-                </a:solidFill>
-              </a:rPr>
-              <a:t>p=3.5</a:t>
-            </a:r>
-            <a:r>
-              <a:rPr lang="en-US" dirty="0" smtClean="0">
-                <a:solidFill>
-                  <a:srgbClr val="FFFFFF"/>
-                </a:solidFill>
-              </a:rPr>
-              <a:t>) </a:t>
-            </a:r>
-            <a:r>
-              <a:rPr lang="en-US" dirty="0" smtClean="0">
-                <a:solidFill>
-                  <a:srgbClr val="FFFFFF"/>
-                </a:solidFill>
-              </a:rPr>
-              <a:t>and</a:t>
-            </a:r>
-            <a:r>
-              <a:rPr lang="en-US" dirty="0" smtClean="0">
-                <a:solidFill>
-                  <a:srgbClr val="FFFFFF"/>
-                </a:solidFill>
-              </a:rPr>
-              <a:t> </a:t>
+              <a:t>) and </a:t>
             </a:r>
             <a:r>
               <a:rPr lang="en-US" dirty="0" err="1" smtClean="0">
@@ -12062,6 +12006,590 @@
 </file>
 
 <file path=ppt/slides/slide4.xml><?xml version="1.0" encoding="utf-8"?>
+<p:sld xmlns:a="http://schemas.openxmlformats.org/drawingml/2006/main" xmlns:r="http://schemas.openxmlformats.org/officeDocument/2006/relationships" xmlns:p="http://schemas.openxmlformats.org/presentationml/2006/main">
+  <p:cSld>
+    <p:spTree>
+      <p:nvGrpSpPr>
+        <p:cNvPr id="1" name=""/>
+        <p:cNvGrpSpPr/>
+        <p:nvPr/>
+      </p:nvGrpSpPr>
+      <p:grpSpPr>
+        <a:xfrm>
+          <a:off x="0" y="0"/>
+          <a:ext cx="0" cy="0"/>
+          <a:chOff x="0" y="0"/>
+          <a:chExt cx="0" cy="0"/>
+        </a:xfrm>
+      </p:grpSpPr>
+      <p:sp>
+        <p:nvSpPr>
+          <p:cNvPr id="2" name="Title 1"/>
+          <p:cNvSpPr>
+            <a:spLocks noGrp="1"/>
+          </p:cNvSpPr>
+          <p:nvPr>
+            <p:ph type="title"/>
+          </p:nvPr>
+        </p:nvSpPr>
+        <p:spPr>
+          <a:xfrm>
+            <a:off x="462094" y="283923"/>
+            <a:ext cx="8229600" cy="1143000"/>
+          </a:xfrm>
+        </p:spPr>
+        <p:txBody>
+          <a:bodyPr>
+            <a:normAutofit fontScale="90000"/>
+          </a:bodyPr>
+          <a:lstStyle/>
+          <a:p>
+            <a:r>
+              <a:rPr lang="en-US" dirty="0" err="1" smtClean="0"/>
+              <a:t>Planetesimal</a:t>
+            </a:r>
+            <a:r>
+              <a:rPr lang="en-US" dirty="0" smtClean="0"/>
+              <a:t> accretion is not constant at a given location throughout disk life</a:t>
+            </a:r>
+            <a:endParaRPr lang="en-US" dirty="0"/>
+          </a:p>
+        </p:txBody>
+      </p:sp>
+      <p:sp>
+        <p:nvSpPr>
+          <p:cNvPr id="3" name="Content Placeholder 2"/>
+          <p:cNvSpPr>
+            <a:spLocks noGrp="1"/>
+          </p:cNvSpPr>
+          <p:nvPr>
+            <p:ph idx="1"/>
+          </p:nvPr>
+        </p:nvSpPr>
+        <p:spPr>
+          <a:xfrm>
+            <a:off x="440491" y="1707442"/>
+            <a:ext cx="8229600" cy="4525963"/>
+          </a:xfrm>
+        </p:spPr>
+        <p:txBody>
+          <a:bodyPr>
+            <a:normAutofit/>
+          </a:bodyPr>
+          <a:lstStyle/>
+          <a:p>
+            <a:r>
+              <a:rPr lang="en-US" dirty="0" smtClean="0"/>
+              <a:t>e.g., Pollack+96, Ikoma+00</a:t>
+            </a:r>
+          </a:p>
+          <a:p>
+            <a:endParaRPr lang="en-US" dirty="0" smtClean="0"/>
+          </a:p>
+          <a:p>
+            <a:endParaRPr lang="en-US" dirty="0" smtClean="0"/>
+          </a:p>
+          <a:p>
+            <a:pPr marL="457200" lvl="1" indent="0">
+              <a:buNone/>
+            </a:pPr>
+            <a:endParaRPr lang="en-US" dirty="0" smtClean="0"/>
+          </a:p>
+        </p:txBody>
+      </p:sp>
+      <p:grpSp>
+        <p:nvGrpSpPr>
+          <p:cNvPr id="5" name="Group 4"/>
+          <p:cNvGrpSpPr/>
+          <p:nvPr/>
+        </p:nvGrpSpPr>
+        <p:grpSpPr>
+          <a:xfrm>
+            <a:off x="830916" y="2520003"/>
+            <a:ext cx="7420731" cy="3546287"/>
+            <a:chOff x="830916" y="2052080"/>
+            <a:chExt cx="7420731" cy="3546287"/>
+          </a:xfrm>
+        </p:grpSpPr>
+        <p:sp>
+          <p:nvSpPr>
+            <p:cNvPr id="4" name="Rectangle 3"/>
+            <p:cNvSpPr/>
+            <p:nvPr/>
+          </p:nvSpPr>
+          <p:spPr>
+            <a:xfrm>
+              <a:off x="830916" y="2052081"/>
+              <a:ext cx="7420731" cy="3546286"/>
+            </a:xfrm>
+            <a:prstGeom prst="rect">
+              <a:avLst/>
+            </a:prstGeom>
+            <a:solidFill>
+              <a:schemeClr val="tx1"/>
+            </a:solidFill>
+            <a:ln>
+              <a:noFill/>
+            </a:ln>
+            <a:effectLst/>
+          </p:spPr>
+          <p:style>
+            <a:lnRef idx="1">
+              <a:schemeClr val="accent1"/>
+            </a:lnRef>
+            <a:fillRef idx="3">
+              <a:schemeClr val="accent1"/>
+            </a:fillRef>
+            <a:effectRef idx="2">
+              <a:schemeClr val="accent1"/>
+            </a:effectRef>
+            <a:fontRef idx="minor">
+              <a:schemeClr val="lt1"/>
+            </a:fontRef>
+          </p:style>
+          <p:txBody>
+            <a:bodyPr rtlCol="0" anchor="ctr"/>
+            <a:lstStyle/>
+            <a:p>
+              <a:pPr algn="ctr"/>
+              <a:endParaRPr lang="en-US"/>
+            </a:p>
+          </p:txBody>
+        </p:sp>
+        <p:pic>
+          <p:nvPicPr>
+            <p:cNvPr id="8" name="Picture 7" descr="acc_sketch (2).jpg"/>
+            <p:cNvPicPr>
+              <a:picLocks noChangeAspect="1"/>
+            </p:cNvPicPr>
+            <p:nvPr/>
+          </p:nvPicPr>
+          <p:blipFill>
+            <a:blip r:embed="rId3">
+              <a:extLst>
+                <a:ext uri="{28A0092B-C50C-407E-A947-70E740481C1C}">
+                  <a14:useLocalDpi xmlns:a14="http://schemas.microsoft.com/office/drawing/2010/main" val="0"/>
+                </a:ext>
+              </a:extLst>
+            </a:blip>
+            <a:stretch>
+              <a:fillRect/>
+            </a:stretch>
+          </p:blipFill>
+          <p:spPr>
+            <a:xfrm>
+              <a:off x="830916" y="2052080"/>
+              <a:ext cx="7420731" cy="2510774"/>
+            </a:xfrm>
+            <a:prstGeom prst="rect">
+              <a:avLst/>
+            </a:prstGeom>
+          </p:spPr>
+        </p:pic>
+        <p:grpSp>
+          <p:nvGrpSpPr>
+            <p:cNvPr id="13" name="Group 12"/>
+            <p:cNvGrpSpPr/>
+            <p:nvPr/>
+          </p:nvGrpSpPr>
+          <p:grpSpPr>
+            <a:xfrm>
+              <a:off x="942074" y="4562854"/>
+              <a:ext cx="7200866" cy="837879"/>
+              <a:chOff x="830915" y="5095970"/>
+              <a:chExt cx="7200866" cy="837879"/>
+            </a:xfrm>
+          </p:grpSpPr>
+          <p:sp>
+            <p:nvSpPr>
+              <p:cNvPr id="9" name="TextBox 8"/>
+              <p:cNvSpPr txBox="1"/>
+              <p:nvPr/>
+            </p:nvSpPr>
+            <p:spPr>
+              <a:xfrm>
+                <a:off x="830915" y="5095970"/>
+                <a:ext cx="2237530" cy="830997"/>
+              </a:xfrm>
+              <a:prstGeom prst="rect">
+                <a:avLst/>
+              </a:prstGeom>
+              <a:noFill/>
+            </p:spPr>
+            <p:txBody>
+              <a:bodyPr wrap="square" rtlCol="0">
+                <a:spAutoFit/>
+              </a:bodyPr>
+              <a:lstStyle/>
+              <a:p>
+                <a:r>
+                  <a:rPr lang="en-US" sz="2400" dirty="0" err="1" smtClean="0">
+                    <a:solidFill>
+                      <a:srgbClr val="000000"/>
+                    </a:solidFill>
+                  </a:rPr>
+                  <a:t>M</a:t>
+                </a:r>
+                <a:r>
+                  <a:rPr lang="en-US" sz="2400" baseline="-25000" dirty="0" err="1" smtClean="0">
+                    <a:solidFill>
+                      <a:srgbClr val="000000"/>
+                    </a:solidFill>
+                  </a:rPr>
+                  <a:t>atm</a:t>
+                </a:r>
+                <a:r>
+                  <a:rPr lang="en-US" sz="2400" dirty="0" smtClean="0">
+                    <a:solidFill>
+                      <a:srgbClr val="000000"/>
+                    </a:solidFill>
+                  </a:rPr>
+                  <a:t> &lt;&lt; </a:t>
+                </a:r>
+                <a:r>
+                  <a:rPr lang="en-US" sz="2400" dirty="0" err="1" smtClean="0">
+                    <a:solidFill>
+                      <a:srgbClr val="000000"/>
+                    </a:solidFill>
+                  </a:rPr>
+                  <a:t>M</a:t>
+                </a:r>
+                <a:r>
+                  <a:rPr lang="en-US" sz="2400" baseline="-25000" dirty="0" err="1" smtClean="0">
+                    <a:solidFill>
+                      <a:srgbClr val="000000"/>
+                    </a:solidFill>
+                  </a:rPr>
+                  <a:t>core</a:t>
+                </a:r>
+                <a:endParaRPr lang="en-US" sz="2400" baseline="-25000" dirty="0" smtClean="0">
+                  <a:solidFill>
+                    <a:srgbClr val="000000"/>
+                  </a:solidFill>
+                </a:endParaRPr>
+              </a:p>
+              <a:p>
+                <a:r>
+                  <a:rPr lang="en-US" sz="2400" dirty="0" smtClean="0">
+                    <a:solidFill>
+                      <a:srgbClr val="000000"/>
+                    </a:solidFill>
+                  </a:rPr>
+                  <a:t>HIGH </a:t>
+                </a:r>
+                <a:r>
+                  <a:rPr lang="en-US" sz="2400" dirty="0" err="1" smtClean="0">
+                    <a:solidFill>
+                      <a:srgbClr val="000000"/>
+                    </a:solidFill>
+                  </a:rPr>
+                  <a:t>dM</a:t>
+                </a:r>
+                <a:r>
+                  <a:rPr lang="en-US" sz="2400" baseline="-25000" dirty="0" err="1" smtClean="0">
+                    <a:solidFill>
+                      <a:srgbClr val="000000"/>
+                    </a:solidFill>
+                  </a:rPr>
+                  <a:t>core</a:t>
+                </a:r>
+                <a:r>
+                  <a:rPr lang="en-US" sz="2400" dirty="0" smtClean="0">
+                    <a:solidFill>
+                      <a:srgbClr val="000000"/>
+                    </a:solidFill>
+                  </a:rPr>
+                  <a:t>/</a:t>
+                </a:r>
+                <a:r>
+                  <a:rPr lang="en-US" sz="2400" dirty="0" err="1" smtClean="0">
+                    <a:solidFill>
+                      <a:srgbClr val="000000"/>
+                    </a:solidFill>
+                  </a:rPr>
+                  <a:t>dt</a:t>
+                </a:r>
+                <a:endParaRPr lang="en-US" sz="2400" dirty="0">
+                  <a:solidFill>
+                    <a:srgbClr val="000000"/>
+                  </a:solidFill>
+                </a:endParaRPr>
+              </a:p>
+            </p:txBody>
+          </p:sp>
+          <p:sp>
+            <p:nvSpPr>
+              <p:cNvPr id="10" name="TextBox 9"/>
+              <p:cNvSpPr txBox="1"/>
+              <p:nvPr/>
+            </p:nvSpPr>
+            <p:spPr>
+              <a:xfrm>
+                <a:off x="3068444" y="5102852"/>
+                <a:ext cx="2826749" cy="830997"/>
+              </a:xfrm>
+              <a:prstGeom prst="rect">
+                <a:avLst/>
+              </a:prstGeom>
+              <a:noFill/>
+            </p:spPr>
+            <p:txBody>
+              <a:bodyPr wrap="square" rtlCol="0">
+                <a:spAutoFit/>
+              </a:bodyPr>
+              <a:lstStyle/>
+              <a:p>
+                <a:r>
+                  <a:rPr lang="en-US" sz="2400" dirty="0" err="1" smtClean="0">
+                    <a:solidFill>
+                      <a:schemeClr val="bg1"/>
+                    </a:solidFill>
+                  </a:rPr>
+                  <a:t>M</a:t>
+                </a:r>
+                <a:r>
+                  <a:rPr lang="en-US" sz="2400" baseline="-25000" dirty="0" err="1" smtClean="0">
+                    <a:solidFill>
+                      <a:schemeClr val="bg1"/>
+                    </a:solidFill>
+                  </a:rPr>
+                  <a:t>atm</a:t>
+                </a:r>
+                <a:r>
+                  <a:rPr lang="en-US" sz="2400" dirty="0" smtClean="0">
+                    <a:solidFill>
+                      <a:schemeClr val="bg1"/>
+                    </a:solidFill>
+                  </a:rPr>
+                  <a:t> &lt;&lt; </a:t>
+                </a:r>
+                <a:r>
+                  <a:rPr lang="en-US" sz="2400" dirty="0" err="1" smtClean="0">
+                    <a:solidFill>
+                      <a:schemeClr val="bg1"/>
+                    </a:solidFill>
+                  </a:rPr>
+                  <a:t>M</a:t>
+                </a:r>
+                <a:r>
+                  <a:rPr lang="en-US" sz="2400" baseline="-25000" dirty="0" err="1" smtClean="0">
+                    <a:solidFill>
+                      <a:schemeClr val="bg1"/>
+                    </a:solidFill>
+                  </a:rPr>
+                  <a:t>core</a:t>
+                </a:r>
+                <a:endParaRPr lang="en-US" sz="2400" baseline="-25000" dirty="0" smtClean="0">
+                  <a:solidFill>
+                    <a:schemeClr val="bg1"/>
+                  </a:solidFill>
+                </a:endParaRPr>
+              </a:p>
+              <a:p>
+                <a:r>
+                  <a:rPr lang="en-US" sz="2400" dirty="0" err="1" smtClean="0">
+                    <a:solidFill>
+                      <a:schemeClr val="bg1"/>
+                    </a:solidFill>
+                  </a:rPr>
+                  <a:t>dM</a:t>
+                </a:r>
+                <a:r>
+                  <a:rPr lang="en-US" sz="2400" baseline="-25000" dirty="0" err="1" smtClean="0">
+                    <a:solidFill>
+                      <a:schemeClr val="bg1"/>
+                    </a:solidFill>
+                  </a:rPr>
+                  <a:t>core</a:t>
+                </a:r>
+                <a:r>
+                  <a:rPr lang="en-US" sz="2400" dirty="0" smtClean="0">
+                    <a:solidFill>
+                      <a:schemeClr val="bg1"/>
+                    </a:solidFill>
+                  </a:rPr>
+                  <a:t>/</a:t>
+                </a:r>
+                <a:r>
+                  <a:rPr lang="en-US" sz="2400" dirty="0" err="1" smtClean="0">
+                    <a:solidFill>
+                      <a:schemeClr val="bg1"/>
+                    </a:solidFill>
+                  </a:rPr>
+                  <a:t>dt</a:t>
+                </a:r>
+                <a:r>
+                  <a:rPr lang="en-US" sz="2400" dirty="0" smtClean="0">
+                    <a:solidFill>
+                      <a:schemeClr val="bg1"/>
+                    </a:solidFill>
+                  </a:rPr>
+                  <a:t> goes down</a:t>
+                </a:r>
+                <a:endParaRPr lang="en-US" sz="2400" dirty="0">
+                  <a:solidFill>
+                    <a:schemeClr val="bg1"/>
+                  </a:solidFill>
+                </a:endParaRPr>
+              </a:p>
+            </p:txBody>
+          </p:sp>
+          <p:sp>
+            <p:nvSpPr>
+              <p:cNvPr id="12" name="TextBox 11"/>
+              <p:cNvSpPr txBox="1"/>
+              <p:nvPr/>
+            </p:nvSpPr>
+            <p:spPr>
+              <a:xfrm>
+                <a:off x="6005362" y="5102852"/>
+                <a:ext cx="2026419" cy="830997"/>
+              </a:xfrm>
+              <a:prstGeom prst="rect">
+                <a:avLst/>
+              </a:prstGeom>
+              <a:noFill/>
+            </p:spPr>
+            <p:txBody>
+              <a:bodyPr wrap="square" rtlCol="0">
+                <a:spAutoFit/>
+              </a:bodyPr>
+              <a:lstStyle/>
+              <a:p>
+                <a:r>
+                  <a:rPr lang="en-US" sz="2400" dirty="0" err="1" smtClean="0">
+                    <a:solidFill>
+                      <a:srgbClr val="000000"/>
+                    </a:solidFill>
+                  </a:rPr>
+                  <a:t>M</a:t>
+                </a:r>
+                <a:r>
+                  <a:rPr lang="en-US" sz="2400" baseline="-25000" dirty="0" err="1" smtClean="0">
+                    <a:solidFill>
+                      <a:srgbClr val="000000"/>
+                    </a:solidFill>
+                  </a:rPr>
+                  <a:t>atm</a:t>
+                </a:r>
+                <a:r>
+                  <a:rPr lang="en-US" sz="2400" dirty="0" smtClean="0">
+                    <a:solidFill>
+                      <a:srgbClr val="000000"/>
+                    </a:solidFill>
+                  </a:rPr>
+                  <a:t> </a:t>
+                </a:r>
+                <a:r>
+                  <a:rPr lang="en-US" sz="2400" dirty="0" smtClean="0">
+                    <a:solidFill>
+                      <a:srgbClr val="000000"/>
+                    </a:solidFill>
+                  </a:rPr>
+                  <a:t>~ </a:t>
+                </a:r>
+                <a:r>
+                  <a:rPr lang="en-US" sz="2400" dirty="0" err="1" smtClean="0">
+                    <a:solidFill>
+                      <a:srgbClr val="000000"/>
+                    </a:solidFill>
+                  </a:rPr>
+                  <a:t>M</a:t>
+                </a:r>
+                <a:r>
+                  <a:rPr lang="en-US" sz="2400" baseline="-25000" dirty="0" err="1" smtClean="0">
+                    <a:solidFill>
+                      <a:srgbClr val="000000"/>
+                    </a:solidFill>
+                  </a:rPr>
+                  <a:t>core</a:t>
+                </a:r>
+                <a:endParaRPr lang="en-US" sz="2400" baseline="-25000" dirty="0" smtClean="0">
+                  <a:solidFill>
+                    <a:srgbClr val="000000"/>
+                  </a:solidFill>
+                </a:endParaRPr>
+              </a:p>
+              <a:p>
+                <a:r>
+                  <a:rPr lang="en-US" sz="2400" dirty="0" smtClean="0">
+                    <a:solidFill>
+                      <a:srgbClr val="000000"/>
+                    </a:solidFill>
+                  </a:rPr>
+                  <a:t>LOW </a:t>
+                </a:r>
+                <a:r>
+                  <a:rPr lang="en-US" sz="2400" dirty="0" err="1" smtClean="0">
+                    <a:solidFill>
+                      <a:srgbClr val="000000"/>
+                    </a:solidFill>
+                  </a:rPr>
+                  <a:t>dM</a:t>
+                </a:r>
+                <a:r>
+                  <a:rPr lang="en-US" sz="2400" baseline="-25000" dirty="0" err="1" smtClean="0">
+                    <a:solidFill>
+                      <a:srgbClr val="000000"/>
+                    </a:solidFill>
+                  </a:rPr>
+                  <a:t>core</a:t>
+                </a:r>
+                <a:r>
+                  <a:rPr lang="en-US" sz="2400" dirty="0" smtClean="0">
+                    <a:solidFill>
+                      <a:srgbClr val="000000"/>
+                    </a:solidFill>
+                  </a:rPr>
+                  <a:t>/</a:t>
+                </a:r>
+                <a:r>
+                  <a:rPr lang="en-US" sz="2400" dirty="0" err="1" smtClean="0">
+                    <a:solidFill>
+                      <a:srgbClr val="000000"/>
+                    </a:solidFill>
+                  </a:rPr>
+                  <a:t>dt</a:t>
+                </a:r>
+                <a:endParaRPr lang="en-US" sz="2400" dirty="0">
+                  <a:solidFill>
+                    <a:srgbClr val="000000"/>
+                  </a:solidFill>
+                </a:endParaRPr>
+              </a:p>
+            </p:txBody>
+          </p:sp>
+        </p:grpSp>
+      </p:grpSp>
+    </p:spTree>
+    <p:extLst>
+      <p:ext uri="{BB962C8B-B14F-4D97-AF65-F5344CB8AC3E}">
+        <p14:creationId xmlns:p14="http://schemas.microsoft.com/office/powerpoint/2010/main" val="1292072069"/>
+      </p:ext>
+    </p:extLst>
+  </p:cSld>
+  <p:clrMapOvr>
+    <a:masterClrMapping/>
+  </p:clrMapOvr>
+  <mc:AlternateContent xmlns:mc="http://schemas.openxmlformats.org/markup-compatibility/2006" xmlns:p14="http://schemas.microsoft.com/office/powerpoint/2010/main">
+    <mc:Choice Requires="p14">
+      <p:transition spd="slow" p14:dur="2000" advTm="79145"/>
+    </mc:Choice>
+    <mc:Fallback xmlns="">
+      <p:transition xmlns:p14="http://schemas.microsoft.com/office/powerpoint/2010/main" spd="slow" advTm="79145"/>
+    </mc:Fallback>
+  </mc:AlternateContent>
+  <p:timing>
+    <p:tnLst>
+      <p:par>
+        <p:cTn xmlns:p14="http://schemas.microsoft.com/office/powerpoint/2010/main" id="1" dur="indefinite" restart="never" nodeType="tmRoot"/>
+      </p:par>
+    </p:tnLst>
+  </p:timing>
+</p:sld>
+</file>
+
+<file path=ppt/slides/slide5.xml><?xml version="1.0" encoding="utf-8"?>
 <p:sld xmlns:a="http://schemas.openxmlformats.org/drawingml/2006/main" xmlns:r="http://schemas.openxmlformats.org/officeDocument/2006/relationships" xmlns:p="http://schemas.openxmlformats.org/presentationml/2006/main">
   <p:cSld>
     <p:spTree>
@@ -12609,582 +13137,6 @@
           </p:sp>
         </p:grpSp>
       </p:grpSp>
-    </p:spTree>
-    <p:extLst>
-      <p:ext uri="{BB962C8B-B14F-4D97-AF65-F5344CB8AC3E}">
-        <p14:creationId xmlns:p14="http://schemas.microsoft.com/office/powerpoint/2010/main" val="1292072069"/>
-      </p:ext>
-    </p:extLst>
-  </p:cSld>
-  <p:clrMapOvr>
-    <a:masterClrMapping/>
-  </p:clrMapOvr>
-  <mc:AlternateContent xmlns:mc="http://schemas.openxmlformats.org/markup-compatibility/2006" xmlns:p14="http://schemas.microsoft.com/office/powerpoint/2010/main">
-    <mc:Choice Requires="p14">
-      <p:transition spd="slow" p14:dur="2000" advTm="79145"/>
-    </mc:Choice>
-    <mc:Fallback xmlns="">
-      <p:transition xmlns:p14="http://schemas.microsoft.com/office/powerpoint/2010/main" spd="slow" advTm="79145"/>
-    </mc:Fallback>
-  </mc:AlternateContent>
-  <p:timing>
-    <p:tnLst>
-      <p:par>
-        <p:cTn xmlns:p14="http://schemas.microsoft.com/office/powerpoint/2010/main" id="1" dur="indefinite" restart="never" nodeType="tmRoot"/>
-      </p:par>
-    </p:tnLst>
-  </p:timing>
-</p:sld>
-</file>
-
-<file path=ppt/slides/slide5.xml><?xml version="1.0" encoding="utf-8"?>
-<p:sld xmlns:a="http://schemas.openxmlformats.org/drawingml/2006/main" xmlns:r="http://schemas.openxmlformats.org/officeDocument/2006/relationships" xmlns:p="http://schemas.openxmlformats.org/presentationml/2006/main">
-  <p:cSld>
-    <p:spTree>
-      <p:nvGrpSpPr>
-        <p:cNvPr id="1" name=""/>
-        <p:cNvGrpSpPr/>
-        <p:nvPr/>
-      </p:nvGrpSpPr>
-      <p:grpSpPr>
-        <a:xfrm>
-          <a:off x="0" y="0"/>
-          <a:ext cx="0" cy="0"/>
-          <a:chOff x="0" y="0"/>
-          <a:chExt cx="0" cy="0"/>
-        </a:xfrm>
-      </p:grpSpPr>
-      <p:sp>
-        <p:nvSpPr>
-          <p:cNvPr id="2" name="Title 1"/>
-          <p:cNvSpPr>
-            <a:spLocks noGrp="1"/>
-          </p:cNvSpPr>
-          <p:nvPr>
-            <p:ph type="title"/>
-          </p:nvPr>
-        </p:nvSpPr>
-        <p:spPr>
-          <a:xfrm>
-            <a:off x="462094" y="283923"/>
-            <a:ext cx="8229600" cy="1143000"/>
-          </a:xfrm>
-        </p:spPr>
-        <p:txBody>
-          <a:bodyPr>
-            <a:normAutofit fontScale="90000"/>
-          </a:bodyPr>
-          <a:lstStyle/>
-          <a:p>
-            <a:r>
-              <a:rPr lang="en-US" dirty="0" err="1" smtClean="0"/>
-              <a:t>Planetesimal</a:t>
-            </a:r>
-            <a:r>
-              <a:rPr lang="en-US" dirty="0" smtClean="0"/>
-              <a:t> accretion is not constant at a given location throughout disk life</a:t>
-            </a:r>
-            <a:endParaRPr lang="en-US" dirty="0"/>
-          </a:p>
-        </p:txBody>
-      </p:sp>
-      <p:sp>
-        <p:nvSpPr>
-          <p:cNvPr id="3" name="Content Placeholder 2"/>
-          <p:cNvSpPr>
-            <a:spLocks noGrp="1"/>
-          </p:cNvSpPr>
-          <p:nvPr>
-            <p:ph idx="1"/>
-          </p:nvPr>
-        </p:nvSpPr>
-        <p:spPr>
-          <a:xfrm>
-            <a:off x="440491" y="1707442"/>
-            <a:ext cx="8229600" cy="4525963"/>
-          </a:xfrm>
-        </p:spPr>
-        <p:txBody>
-          <a:bodyPr>
-            <a:normAutofit/>
-          </a:bodyPr>
-          <a:lstStyle/>
-          <a:p>
-            <a:r>
-              <a:rPr lang="en-US" dirty="0" smtClean="0"/>
-              <a:t>e.g., Pollack+96, Ikoma+00</a:t>
-            </a:r>
-          </a:p>
-          <a:p>
-            <a:endParaRPr lang="en-US" dirty="0" smtClean="0"/>
-          </a:p>
-          <a:p>
-            <a:endParaRPr lang="en-US" dirty="0" smtClean="0"/>
-          </a:p>
-          <a:p>
-            <a:pPr marL="457200" lvl="1" indent="0">
-              <a:buNone/>
-            </a:pPr>
-            <a:endParaRPr lang="en-US" dirty="0" smtClean="0"/>
-          </a:p>
-        </p:txBody>
-      </p:sp>
-      <p:grpSp>
-        <p:nvGrpSpPr>
-          <p:cNvPr id="5" name="Group 4"/>
-          <p:cNvGrpSpPr/>
-          <p:nvPr/>
-        </p:nvGrpSpPr>
-        <p:grpSpPr>
-          <a:xfrm>
-            <a:off x="830916" y="2520003"/>
-            <a:ext cx="7420731" cy="3546287"/>
-            <a:chOff x="830916" y="2052080"/>
-            <a:chExt cx="7420731" cy="3546287"/>
-          </a:xfrm>
-        </p:grpSpPr>
-        <p:sp>
-          <p:nvSpPr>
-            <p:cNvPr id="4" name="Rectangle 3"/>
-            <p:cNvSpPr/>
-            <p:nvPr/>
-          </p:nvSpPr>
-          <p:spPr>
-            <a:xfrm>
-              <a:off x="830916" y="2052081"/>
-              <a:ext cx="7420731" cy="3546286"/>
-            </a:xfrm>
-            <a:prstGeom prst="rect">
-              <a:avLst/>
-            </a:prstGeom>
-            <a:solidFill>
-              <a:schemeClr val="tx1"/>
-            </a:solidFill>
-            <a:ln>
-              <a:noFill/>
-            </a:ln>
-            <a:effectLst/>
-          </p:spPr>
-          <p:style>
-            <a:lnRef idx="1">
-              <a:schemeClr val="accent1"/>
-            </a:lnRef>
-            <a:fillRef idx="3">
-              <a:schemeClr val="accent1"/>
-            </a:fillRef>
-            <a:effectRef idx="2">
-              <a:schemeClr val="accent1"/>
-            </a:effectRef>
-            <a:fontRef idx="minor">
-              <a:schemeClr val="lt1"/>
-            </a:fontRef>
-          </p:style>
-          <p:txBody>
-            <a:bodyPr rtlCol="0" anchor="ctr"/>
-            <a:lstStyle/>
-            <a:p>
-              <a:pPr algn="ctr"/>
-              <a:endParaRPr lang="en-US"/>
-            </a:p>
-          </p:txBody>
-        </p:sp>
-        <p:pic>
-          <p:nvPicPr>
-            <p:cNvPr id="8" name="Picture 7" descr="acc_sketch (2).jpg"/>
-            <p:cNvPicPr>
-              <a:picLocks noChangeAspect="1"/>
-            </p:cNvPicPr>
-            <p:nvPr/>
-          </p:nvPicPr>
-          <p:blipFill>
-            <a:blip r:embed="rId3">
-              <a:extLst>
-                <a:ext uri="{28A0092B-C50C-407E-A947-70E740481C1C}">
-                  <a14:useLocalDpi xmlns:a14="http://schemas.microsoft.com/office/drawing/2010/main" val="0"/>
-                </a:ext>
-              </a:extLst>
-            </a:blip>
-            <a:stretch>
-              <a:fillRect/>
-            </a:stretch>
-          </p:blipFill>
-          <p:spPr>
-            <a:xfrm>
-              <a:off x="830916" y="2052080"/>
-              <a:ext cx="7420731" cy="2510774"/>
-            </a:xfrm>
-            <a:prstGeom prst="rect">
-              <a:avLst/>
-            </a:prstGeom>
-          </p:spPr>
-        </p:pic>
-        <p:grpSp>
-          <p:nvGrpSpPr>
-            <p:cNvPr id="13" name="Group 12"/>
-            <p:cNvGrpSpPr/>
-            <p:nvPr/>
-          </p:nvGrpSpPr>
-          <p:grpSpPr>
-            <a:xfrm>
-              <a:off x="942074" y="4562854"/>
-              <a:ext cx="7200866" cy="837879"/>
-              <a:chOff x="830915" y="5095970"/>
-              <a:chExt cx="7200866" cy="837879"/>
-            </a:xfrm>
-          </p:grpSpPr>
-          <p:sp>
-            <p:nvSpPr>
-              <p:cNvPr id="9" name="TextBox 8"/>
-              <p:cNvSpPr txBox="1"/>
-              <p:nvPr/>
-            </p:nvSpPr>
-            <p:spPr>
-              <a:xfrm>
-                <a:off x="830915" y="5095970"/>
-                <a:ext cx="2237530" cy="830997"/>
-              </a:xfrm>
-              <a:prstGeom prst="rect">
-                <a:avLst/>
-              </a:prstGeom>
-              <a:noFill/>
-            </p:spPr>
-            <p:txBody>
-              <a:bodyPr wrap="square" rtlCol="0">
-                <a:spAutoFit/>
-              </a:bodyPr>
-              <a:lstStyle/>
-              <a:p>
-                <a:r>
-                  <a:rPr lang="en-US" sz="2400" dirty="0" err="1" smtClean="0">
-                    <a:solidFill>
-                      <a:srgbClr val="000000"/>
-                    </a:solidFill>
-                  </a:rPr>
-                  <a:t>M</a:t>
-                </a:r>
-                <a:r>
-                  <a:rPr lang="en-US" sz="2400" baseline="-25000" dirty="0" err="1" smtClean="0">
-                    <a:solidFill>
-                      <a:srgbClr val="000000"/>
-                    </a:solidFill>
-                  </a:rPr>
-                  <a:t>atm</a:t>
-                </a:r>
-                <a:r>
-                  <a:rPr lang="en-US" sz="2400" dirty="0" smtClean="0">
-                    <a:solidFill>
-                      <a:srgbClr val="000000"/>
-                    </a:solidFill>
-                  </a:rPr>
-                  <a:t> &lt;&lt; </a:t>
-                </a:r>
-                <a:r>
-                  <a:rPr lang="en-US" sz="2400" dirty="0" err="1" smtClean="0">
-                    <a:solidFill>
-                      <a:srgbClr val="000000"/>
-                    </a:solidFill>
-                  </a:rPr>
-                  <a:t>M</a:t>
-                </a:r>
-                <a:r>
-                  <a:rPr lang="en-US" sz="2400" baseline="-25000" dirty="0" err="1" smtClean="0">
-                    <a:solidFill>
-                      <a:srgbClr val="000000"/>
-                    </a:solidFill>
-                  </a:rPr>
-                  <a:t>core</a:t>
-                </a:r>
-                <a:endParaRPr lang="en-US" sz="2400" baseline="-25000" dirty="0" smtClean="0">
-                  <a:solidFill>
-                    <a:srgbClr val="000000"/>
-                  </a:solidFill>
-                </a:endParaRPr>
-              </a:p>
-              <a:p>
-                <a:r>
-                  <a:rPr lang="en-US" sz="2400" dirty="0" smtClean="0">
-                    <a:solidFill>
-                      <a:srgbClr val="000000"/>
-                    </a:solidFill>
-                  </a:rPr>
-                  <a:t>HIGH </a:t>
-                </a:r>
-                <a:r>
-                  <a:rPr lang="en-US" sz="2400" dirty="0" err="1" smtClean="0">
-                    <a:solidFill>
-                      <a:srgbClr val="000000"/>
-                    </a:solidFill>
-                  </a:rPr>
-                  <a:t>dM</a:t>
-                </a:r>
-                <a:r>
-                  <a:rPr lang="en-US" sz="2400" baseline="-25000" dirty="0" err="1" smtClean="0">
-                    <a:solidFill>
-                      <a:srgbClr val="000000"/>
-                    </a:solidFill>
-                  </a:rPr>
-                  <a:t>core</a:t>
-                </a:r>
-                <a:r>
-                  <a:rPr lang="en-US" sz="2400" dirty="0" smtClean="0">
-                    <a:solidFill>
-                      <a:srgbClr val="000000"/>
-                    </a:solidFill>
-                  </a:rPr>
-                  <a:t>/</a:t>
-                </a:r>
-                <a:r>
-                  <a:rPr lang="en-US" sz="2400" dirty="0" err="1" smtClean="0">
-                    <a:solidFill>
-                      <a:srgbClr val="000000"/>
-                    </a:solidFill>
-                  </a:rPr>
-                  <a:t>dt</a:t>
-                </a:r>
-                <a:endParaRPr lang="en-US" sz="2400" dirty="0">
-                  <a:solidFill>
-                    <a:srgbClr val="000000"/>
-                  </a:solidFill>
-                </a:endParaRPr>
-              </a:p>
-            </p:txBody>
-          </p:sp>
-          <p:sp>
-            <p:nvSpPr>
-              <p:cNvPr id="10" name="TextBox 9"/>
-              <p:cNvSpPr txBox="1"/>
-              <p:nvPr/>
-            </p:nvSpPr>
-            <p:spPr>
-              <a:xfrm>
-                <a:off x="3068444" y="5102852"/>
-                <a:ext cx="2826749" cy="830997"/>
-              </a:xfrm>
-              <a:prstGeom prst="rect">
-                <a:avLst/>
-              </a:prstGeom>
-              <a:noFill/>
-            </p:spPr>
-            <p:txBody>
-              <a:bodyPr wrap="square" rtlCol="0">
-                <a:spAutoFit/>
-              </a:bodyPr>
-              <a:lstStyle/>
-              <a:p>
-                <a:r>
-                  <a:rPr lang="en-US" sz="2400" dirty="0" err="1" smtClean="0">
-                    <a:solidFill>
-                      <a:schemeClr val="bg1"/>
-                    </a:solidFill>
-                  </a:rPr>
-                  <a:t>M</a:t>
-                </a:r>
-                <a:r>
-                  <a:rPr lang="en-US" sz="2400" baseline="-25000" dirty="0" err="1" smtClean="0">
-                    <a:solidFill>
-                      <a:schemeClr val="bg1"/>
-                    </a:solidFill>
-                  </a:rPr>
-                  <a:t>atm</a:t>
-                </a:r>
-                <a:r>
-                  <a:rPr lang="en-US" sz="2400" dirty="0" smtClean="0">
-                    <a:solidFill>
-                      <a:schemeClr val="bg1"/>
-                    </a:solidFill>
-                  </a:rPr>
-                  <a:t> &lt;&lt; </a:t>
-                </a:r>
-                <a:r>
-                  <a:rPr lang="en-US" sz="2400" dirty="0" err="1" smtClean="0">
-                    <a:solidFill>
-                      <a:schemeClr val="bg1"/>
-                    </a:solidFill>
-                  </a:rPr>
-                  <a:t>M</a:t>
-                </a:r>
-                <a:r>
-                  <a:rPr lang="en-US" sz="2400" baseline="-25000" dirty="0" err="1" smtClean="0">
-                    <a:solidFill>
-                      <a:schemeClr val="bg1"/>
-                    </a:solidFill>
-                  </a:rPr>
-                  <a:t>core</a:t>
-                </a:r>
-                <a:endParaRPr lang="en-US" sz="2400" baseline="-25000" dirty="0" smtClean="0">
-                  <a:solidFill>
-                    <a:schemeClr val="bg1"/>
-                  </a:solidFill>
-                </a:endParaRPr>
-              </a:p>
-              <a:p>
-                <a:r>
-                  <a:rPr lang="en-US" sz="2400" dirty="0" err="1" smtClean="0">
-                    <a:solidFill>
-                      <a:schemeClr val="bg1"/>
-                    </a:solidFill>
-                  </a:rPr>
-                  <a:t>dM</a:t>
-                </a:r>
-                <a:r>
-                  <a:rPr lang="en-US" sz="2400" baseline="-25000" dirty="0" err="1" smtClean="0">
-                    <a:solidFill>
-                      <a:schemeClr val="bg1"/>
-                    </a:solidFill>
-                  </a:rPr>
-                  <a:t>core</a:t>
-                </a:r>
-                <a:r>
-                  <a:rPr lang="en-US" sz="2400" dirty="0" smtClean="0">
-                    <a:solidFill>
-                      <a:schemeClr val="bg1"/>
-                    </a:solidFill>
-                  </a:rPr>
-                  <a:t>/</a:t>
-                </a:r>
-                <a:r>
-                  <a:rPr lang="en-US" sz="2400" dirty="0" err="1" smtClean="0">
-                    <a:solidFill>
-                      <a:schemeClr val="bg1"/>
-                    </a:solidFill>
-                  </a:rPr>
-                  <a:t>dt</a:t>
-                </a:r>
-                <a:r>
-                  <a:rPr lang="en-US" sz="2400" dirty="0" smtClean="0">
-                    <a:solidFill>
-                      <a:schemeClr val="bg1"/>
-                    </a:solidFill>
-                  </a:rPr>
-                  <a:t> goes down</a:t>
-                </a:r>
-                <a:endParaRPr lang="en-US" sz="2400" dirty="0">
-                  <a:solidFill>
-                    <a:schemeClr val="bg1"/>
-                  </a:solidFill>
-                </a:endParaRPr>
-              </a:p>
-            </p:txBody>
-          </p:sp>
-          <p:sp>
-            <p:nvSpPr>
-              <p:cNvPr id="12" name="TextBox 11"/>
-              <p:cNvSpPr txBox="1"/>
-              <p:nvPr/>
-            </p:nvSpPr>
-            <p:spPr>
-              <a:xfrm>
-                <a:off x="6005362" y="5102852"/>
-                <a:ext cx="2026419" cy="830997"/>
-              </a:xfrm>
-              <a:prstGeom prst="rect">
-                <a:avLst/>
-              </a:prstGeom>
-              <a:noFill/>
-            </p:spPr>
-            <p:txBody>
-              <a:bodyPr wrap="square" rtlCol="0">
-                <a:spAutoFit/>
-              </a:bodyPr>
-              <a:lstStyle/>
-              <a:p>
-                <a:r>
-                  <a:rPr lang="en-US" sz="2400" dirty="0" err="1" smtClean="0">
-                    <a:solidFill>
-                      <a:srgbClr val="000000"/>
-                    </a:solidFill>
-                  </a:rPr>
-                  <a:t>M</a:t>
-                </a:r>
-                <a:r>
-                  <a:rPr lang="en-US" sz="2400" baseline="-25000" dirty="0" err="1" smtClean="0">
-                    <a:solidFill>
-                      <a:srgbClr val="000000"/>
-                    </a:solidFill>
-                  </a:rPr>
-                  <a:t>atm</a:t>
-                </a:r>
-                <a:r>
-                  <a:rPr lang="en-US" sz="2400" dirty="0" smtClean="0">
-                    <a:solidFill>
-                      <a:srgbClr val="000000"/>
-                    </a:solidFill>
-                  </a:rPr>
-                  <a:t> ~ </a:t>
-                </a:r>
-                <a:r>
-                  <a:rPr lang="en-US" sz="2400" dirty="0" err="1" smtClean="0">
-                    <a:solidFill>
-                      <a:srgbClr val="000000"/>
-                    </a:solidFill>
-                  </a:rPr>
-                  <a:t>M</a:t>
-                </a:r>
-                <a:r>
-                  <a:rPr lang="en-US" sz="2400" baseline="-25000" dirty="0" err="1" smtClean="0">
-                    <a:solidFill>
-                      <a:srgbClr val="000000"/>
-                    </a:solidFill>
-                  </a:rPr>
-                  <a:t>core</a:t>
-                </a:r>
-                <a:endParaRPr lang="en-US" sz="2400" baseline="-25000" dirty="0" smtClean="0">
-                  <a:solidFill>
-                    <a:srgbClr val="000000"/>
-                  </a:solidFill>
-                </a:endParaRPr>
-              </a:p>
-              <a:p>
-                <a:r>
-                  <a:rPr lang="en-US" sz="2400" dirty="0" smtClean="0">
-                    <a:solidFill>
-                      <a:srgbClr val="000000"/>
-                    </a:solidFill>
-                  </a:rPr>
-                  <a:t>LOW </a:t>
-                </a:r>
-                <a:r>
-                  <a:rPr lang="en-US" sz="2400" dirty="0" err="1" smtClean="0">
-                    <a:solidFill>
-                      <a:srgbClr val="000000"/>
-                    </a:solidFill>
-                  </a:rPr>
-                  <a:t>dM</a:t>
-                </a:r>
-                <a:r>
-                  <a:rPr lang="en-US" sz="2400" baseline="-25000" dirty="0" err="1" smtClean="0">
-                    <a:solidFill>
-                      <a:srgbClr val="000000"/>
-                    </a:solidFill>
-                  </a:rPr>
-                  <a:t>core</a:t>
-                </a:r>
-                <a:r>
-                  <a:rPr lang="en-US" sz="2400" dirty="0" smtClean="0">
-                    <a:solidFill>
-                      <a:srgbClr val="000000"/>
-                    </a:solidFill>
-                  </a:rPr>
-                  <a:t>/</a:t>
-                </a:r>
-                <a:r>
-                  <a:rPr lang="en-US" sz="2400" dirty="0" err="1" smtClean="0">
-                    <a:solidFill>
-                      <a:srgbClr val="000000"/>
-                    </a:solidFill>
-                  </a:rPr>
-                  <a:t>dt</a:t>
-                </a:r>
-                <a:endParaRPr lang="en-US" sz="2400" dirty="0">
-                  <a:solidFill>
-                    <a:srgbClr val="000000"/>
-                  </a:solidFill>
-                </a:endParaRPr>
-              </a:p>
-            </p:txBody>
-          </p:sp>
-        </p:grpSp>
-      </p:grpSp>
       <p:sp>
         <p:nvSpPr>
           <p:cNvPr id="6" name="Rectangle 5"/>
@@ -13929,11 +13881,7 @@
             </a:r>
             <a:r>
               <a:rPr lang="en-US" sz="2800" dirty="0" smtClean="0"/>
-              <a:t> </a:t>
-            </a:r>
-            <a:r>
-              <a:rPr lang="en-US" sz="2800" dirty="0" smtClean="0"/>
-              <a:t>= </a:t>
+              <a:t> = </a:t>
             </a:r>
             <a:r>
               <a:rPr lang="en-US" sz="2800" dirty="0" err="1" smtClean="0"/>
@@ -13945,11 +13893,7 @@
             </a:r>
             <a:r>
               <a:rPr lang="en-US" sz="2800" dirty="0" smtClean="0"/>
-              <a:t> for </a:t>
-            </a:r>
-            <a:r>
-              <a:rPr lang="en-US" sz="2800" dirty="0" smtClean="0"/>
-              <a:t>which</a:t>
+              <a:t> for which</a:t>
             </a:r>
           </a:p>
           <a:p>
@@ -15294,11 +15238,6 @@
               </a:rPr>
               <a:t>, </a:t>
             </a:r>
-            <a:endParaRPr lang="en-US" sz="2800" dirty="0" smtClean="0">
-              <a:solidFill>
-                <a:srgbClr val="FFFFFF"/>
-              </a:solidFill>
-            </a:endParaRPr>
           </a:p>
           <a:p>
             <a:pPr marL="0" indent="0">
@@ -15310,15 +15249,7 @@
                   <a:srgbClr val="FFFF00"/>
                 </a:solidFill>
               </a:rPr>
-              <a:t>        L </a:t>
-            </a:r>
-            <a:r>
-              <a:rPr lang="en-US" sz="2800" i="1" dirty="0" smtClean="0">
-                <a:solidFill>
-                  <a:srgbClr val="FFFF00"/>
-                </a:solidFill>
-              </a:rPr>
-              <a:t>~ -</a:t>
+              <a:t>        L ~ -</a:t>
             </a:r>
             <a:r>
               <a:rPr lang="en-US" sz="2800" i="1" dirty="0" err="1" smtClean="0">
